--- a/presentations/14-Registry.pptx
+++ b/presentations/14-Registry.pptx
@@ -5,8 +5,30 @@
     <p:sldMasterId id="2147483648" r:id="rId1"/>
   </p:sldMasterIdLst>
   <p:notesMasterIdLst>
-    <p:notesMasterId r:id="rId2"/>
+    <p:notesMasterId r:id="rId22"/>
   </p:notesMasterIdLst>
+  <p:sldIdLst>
+    <p:sldId id="256" r:id="rId2"/>
+    <p:sldId id="257" r:id="rId3"/>
+    <p:sldId id="258" r:id="rId4"/>
+    <p:sldId id="259" r:id="rId5"/>
+    <p:sldId id="260" r:id="rId6"/>
+    <p:sldId id="261" r:id="rId7"/>
+    <p:sldId id="262" r:id="rId8"/>
+    <p:sldId id="263" r:id="rId9"/>
+    <p:sldId id="265" r:id="rId10"/>
+    <p:sldId id="266" r:id="rId11"/>
+    <p:sldId id="267" r:id="rId12"/>
+    <p:sldId id="268" r:id="rId13"/>
+    <p:sldId id="272" r:id="rId14"/>
+    <p:sldId id="269" r:id="rId15"/>
+    <p:sldId id="271" r:id="rId16"/>
+    <p:sldId id="273" r:id="rId17"/>
+    <p:sldId id="274" r:id="rId18"/>
+    <p:sldId id="275" r:id="rId19"/>
+    <p:sldId id="276" r:id="rId20"/>
+    <p:sldId id="277" r:id="rId21"/>
+  </p:sldIdLst>
   <p:sldSz cx="9144000" cy="6858000" type="screen4x3"/>
   <p:notesSz cx="6858000" cy="9144000"/>
   <p:defaultTextStyle>
@@ -3792,6 +3814,2754 @@
     </p:otherStyle>
   </p:txStyles>
 </p:sldMaster>
+</file>
+
+<file path=ppt/slides/slide1.xml><?xml version="1.0" encoding="utf-8"?>
+<p:sld xmlns:a="http://schemas.openxmlformats.org/drawingml/2006/main" xmlns:r="http://schemas.openxmlformats.org/officeDocument/2006/relationships" xmlns:p="http://schemas.openxmlformats.org/presentationml/2006/main">
+  <p:cSld>
+    <p:spTree>
+      <p:nvGrpSpPr>
+        <p:cNvPr id="1" name=""/>
+        <p:cNvGrpSpPr/>
+        <p:nvPr/>
+      </p:nvGrpSpPr>
+      <p:grpSpPr>
+        <a:xfrm>
+          <a:off x="0" y="0"/>
+          <a:ext cx="0" cy="0"/>
+          <a:chOff x="0" y="0"/>
+          <a:chExt cx="0" cy="0"/>
+        </a:xfrm>
+      </p:grpSpPr>
+      <p:sp>
+        <p:nvSpPr>
+          <p:cNvPr id="2" name="Title 1"/>
+          <p:cNvSpPr>
+            <a:spLocks noGrp="1"/>
+          </p:cNvSpPr>
+          <p:nvPr>
+            <p:ph type="ctrTitle"/>
+          </p:nvPr>
+        </p:nvSpPr>
+        <p:spPr/>
+        <p:txBody>
+          <a:bodyPr/>
+          <a:lstStyle/>
+          <a:p>
+            <a:r>
+              <a:rPr lang="en-US" dirty="0" smtClean="0"/>
+              <a:t>Registries</a:t>
+            </a:r>
+            <a:endParaRPr lang="en-US" dirty="0"/>
+          </a:p>
+        </p:txBody>
+      </p:sp>
+      <p:sp>
+        <p:nvSpPr>
+          <p:cNvPr id="3" name="Subtitle 2"/>
+          <p:cNvSpPr>
+            <a:spLocks noGrp="1"/>
+          </p:cNvSpPr>
+          <p:nvPr>
+            <p:ph type="subTitle" idx="1"/>
+          </p:nvPr>
+        </p:nvSpPr>
+        <p:spPr/>
+        <p:txBody>
+          <a:bodyPr/>
+          <a:lstStyle/>
+          <a:p>
+            <a:endParaRPr lang="en-US" dirty="0"/>
+          </a:p>
+        </p:txBody>
+      </p:sp>
+    </p:spTree>
+    <p:extLst>
+      <p:ext uri="{BB962C8B-B14F-4D97-AF65-F5344CB8AC3E}">
+        <p14:creationId xmlns:p14="http://schemas.microsoft.com/office/powerpoint/2010/main" val="3265735680"/>
+      </p:ext>
+    </p:extLst>
+  </p:cSld>
+  <p:clrMapOvr>
+    <a:masterClrMapping/>
+  </p:clrMapOvr>
+</p:sld>
+</file>
+
+<file path=ppt/slides/slide10.xml><?xml version="1.0" encoding="utf-8"?>
+<p:sld xmlns:a="http://schemas.openxmlformats.org/drawingml/2006/main" xmlns:r="http://schemas.openxmlformats.org/officeDocument/2006/relationships" xmlns:p="http://schemas.openxmlformats.org/presentationml/2006/main">
+  <p:cSld>
+    <p:spTree>
+      <p:nvGrpSpPr>
+        <p:cNvPr id="1" name=""/>
+        <p:cNvGrpSpPr/>
+        <p:nvPr/>
+      </p:nvGrpSpPr>
+      <p:grpSpPr>
+        <a:xfrm>
+          <a:off x="0" y="0"/>
+          <a:ext cx="0" cy="0"/>
+          <a:chOff x="0" y="0"/>
+          <a:chExt cx="0" cy="0"/>
+        </a:xfrm>
+      </p:grpSpPr>
+      <p:sp>
+        <p:nvSpPr>
+          <p:cNvPr id="2" name="Title 1"/>
+          <p:cNvSpPr>
+            <a:spLocks noGrp="1"/>
+          </p:cNvSpPr>
+          <p:nvPr>
+            <p:ph type="title"/>
+          </p:nvPr>
+        </p:nvSpPr>
+        <p:spPr/>
+        <p:txBody>
+          <a:bodyPr/>
+          <a:lstStyle/>
+          <a:p>
+            <a:r>
+              <a:rPr lang="en-US" dirty="0" smtClean="0"/>
+              <a:t>WS-Discovery Message Types</a:t>
+            </a:r>
+            <a:endParaRPr lang="en-US" dirty="0"/>
+          </a:p>
+        </p:txBody>
+      </p:sp>
+      <p:sp>
+        <p:nvSpPr>
+          <p:cNvPr id="3" name="Content Placeholder 2"/>
+          <p:cNvSpPr>
+            <a:spLocks noGrp="1"/>
+          </p:cNvSpPr>
+          <p:nvPr>
+            <p:ph idx="1"/>
+          </p:nvPr>
+        </p:nvSpPr>
+        <p:spPr/>
+        <p:txBody>
+          <a:bodyPr/>
+          <a:lstStyle/>
+          <a:p>
+            <a:r>
+              <a:rPr lang="en-US" dirty="0"/>
+              <a:t>Hello messages</a:t>
+            </a:r>
+          </a:p>
+          <a:p>
+            <a:r>
+              <a:rPr lang="en-US" dirty="0"/>
+              <a:t>Bye messages</a:t>
+            </a:r>
+          </a:p>
+          <a:p>
+            <a:r>
+              <a:rPr lang="en-US" dirty="0"/>
+              <a:t>Probe messages</a:t>
+            </a:r>
+          </a:p>
+          <a:p>
+            <a:r>
+              <a:rPr lang="en-US" dirty="0"/>
+              <a:t>Probe match messages</a:t>
+            </a:r>
+          </a:p>
+          <a:p>
+            <a:r>
+              <a:rPr lang="en-US" dirty="0"/>
+              <a:t>Resolve messages</a:t>
+            </a:r>
+          </a:p>
+          <a:p>
+            <a:r>
+              <a:rPr lang="en-US" dirty="0"/>
+              <a:t>Resolve match messages</a:t>
+            </a:r>
+          </a:p>
+        </p:txBody>
+      </p:sp>
+    </p:spTree>
+    <p:extLst>
+      <p:ext uri="{BB962C8B-B14F-4D97-AF65-F5344CB8AC3E}">
+        <p14:creationId xmlns:p14="http://schemas.microsoft.com/office/powerpoint/2010/main" val="669956575"/>
+      </p:ext>
+    </p:extLst>
+  </p:cSld>
+  <p:clrMapOvr>
+    <a:masterClrMapping/>
+  </p:clrMapOvr>
+</p:sld>
+</file>
+
+<file path=ppt/slides/slide11.xml><?xml version="1.0" encoding="utf-8"?>
+<p:sld xmlns:a="http://schemas.openxmlformats.org/drawingml/2006/main" xmlns:r="http://schemas.openxmlformats.org/officeDocument/2006/relationships" xmlns:p="http://schemas.openxmlformats.org/presentationml/2006/main">
+  <p:cSld>
+    <p:spTree>
+      <p:nvGrpSpPr>
+        <p:cNvPr id="1" name=""/>
+        <p:cNvGrpSpPr/>
+        <p:nvPr/>
+      </p:nvGrpSpPr>
+      <p:grpSpPr>
+        <a:xfrm>
+          <a:off x="0" y="0"/>
+          <a:ext cx="0" cy="0"/>
+          <a:chOff x="0" y="0"/>
+          <a:chExt cx="0" cy="0"/>
+        </a:xfrm>
+      </p:grpSpPr>
+      <p:sp>
+        <p:nvSpPr>
+          <p:cNvPr id="2" name="Title 1"/>
+          <p:cNvSpPr>
+            <a:spLocks noGrp="1"/>
+          </p:cNvSpPr>
+          <p:nvPr>
+            <p:ph type="title"/>
+          </p:nvPr>
+        </p:nvSpPr>
+        <p:spPr/>
+        <p:txBody>
+          <a:bodyPr/>
+          <a:lstStyle/>
+          <a:p>
+            <a:r>
+              <a:rPr lang="en-US" dirty="0" smtClean="0"/>
+              <a:t>Hello</a:t>
+            </a:r>
+            <a:endParaRPr lang="en-US" dirty="0"/>
+          </a:p>
+        </p:txBody>
+      </p:sp>
+      <p:sp>
+        <p:nvSpPr>
+          <p:cNvPr id="4" name="Rectangle 3"/>
+          <p:cNvSpPr/>
+          <p:nvPr/>
+        </p:nvSpPr>
+        <p:spPr>
+          <a:xfrm>
+            <a:off x="584200" y="1299845"/>
+            <a:ext cx="9525000" cy="3354765"/>
+          </a:xfrm>
+          <a:prstGeom prst="rect">
+            <a:avLst/>
+          </a:prstGeom>
+        </p:spPr>
+        <p:txBody>
+          <a:bodyPr wrap="square">
+            <a:spAutoFit/>
+          </a:bodyPr>
+          <a:lstStyle/>
+          <a:p>
+            <a:r>
+              <a:rPr lang="en-US" sz="1600" dirty="0">
+                <a:latin typeface="Courier"/>
+                <a:cs typeface="Courier"/>
+              </a:rPr>
+              <a:t>&lt;</a:t>
+            </a:r>
+            <a:r>
+              <a:rPr lang="en-US" sz="1600" dirty="0" err="1" smtClean="0">
+                <a:latin typeface="Courier"/>
+                <a:cs typeface="Courier"/>
+              </a:rPr>
+              <a:t>wsd:Hello</a:t>
+            </a:r>
+            <a:r>
+              <a:rPr lang="en-US" sz="1600" dirty="0" smtClean="0">
+                <a:latin typeface="Courier"/>
+                <a:cs typeface="Courier"/>
+              </a:rPr>
+              <a:t>&gt;</a:t>
+            </a:r>
+            <a:endParaRPr lang="en-US" sz="1600" dirty="0">
+              <a:latin typeface="Courier"/>
+              <a:cs typeface="Courier"/>
+            </a:endParaRPr>
+          </a:p>
+          <a:p>
+            <a:r>
+              <a:rPr lang="en-US" sz="1600" dirty="0" smtClean="0">
+                <a:latin typeface="Courier"/>
+                <a:cs typeface="Courier"/>
+              </a:rPr>
+              <a:t>   &lt;</a:t>
+            </a:r>
+            <a:r>
+              <a:rPr lang="en-US" sz="1600" dirty="0" err="1">
+                <a:latin typeface="Courier"/>
+                <a:cs typeface="Courier"/>
+              </a:rPr>
+              <a:t>wsa:EndpointReference</a:t>
+            </a:r>
+            <a:r>
+              <a:rPr lang="en-US" sz="1600" dirty="0">
+                <a:latin typeface="Courier"/>
+                <a:cs typeface="Courier"/>
+              </a:rPr>
+              <a:t> </a:t>
+            </a:r>
+            <a:r>
+              <a:rPr lang="en-US" sz="1600" dirty="0" smtClean="0">
+                <a:latin typeface="Courier"/>
+                <a:cs typeface="Courier"/>
+              </a:rPr>
+              <a:t>&gt;</a:t>
+            </a:r>
+            <a:endParaRPr lang="en-US" sz="1600" dirty="0">
+              <a:latin typeface="Courier"/>
+              <a:cs typeface="Courier"/>
+            </a:endParaRPr>
+          </a:p>
+          <a:p>
+            <a:r>
+              <a:rPr lang="en-US" sz="1600" dirty="0">
+                <a:latin typeface="Courier"/>
+                <a:cs typeface="Courier"/>
+              </a:rPr>
+              <a:t>   </a:t>
+            </a:r>
+            <a:r>
+              <a:rPr lang="en-US" sz="1600" dirty="0" smtClean="0">
+                <a:latin typeface="Courier"/>
+                <a:cs typeface="Courier"/>
+              </a:rPr>
+              <a:t>   &lt;</a:t>
+            </a:r>
+            <a:r>
+              <a:rPr lang="en-US" sz="1600" dirty="0" err="1">
+                <a:latin typeface="Courier"/>
+                <a:cs typeface="Courier"/>
+              </a:rPr>
+              <a:t>wsa:Address</a:t>
+            </a:r>
+            <a:r>
+              <a:rPr lang="en-US" sz="1600" dirty="0">
+                <a:latin typeface="Courier"/>
+                <a:cs typeface="Courier"/>
+              </a:rPr>
+              <a:t>&gt;urn:uuid:50bccd63-8c1f-4f9d-</a:t>
+            </a:r>
+            <a:r>
+              <a:rPr lang="en-US" sz="1600" dirty="0" smtClean="0">
+                <a:latin typeface="Courier"/>
+                <a:cs typeface="Courier"/>
+              </a:rPr>
+              <a:t>a0db</a:t>
+            </a:r>
+            <a:br>
+              <a:rPr lang="en-US" sz="1600" dirty="0" smtClean="0">
+                <a:latin typeface="Courier"/>
+                <a:cs typeface="Courier"/>
+              </a:rPr>
+            </a:br>
+            <a:r>
+              <a:rPr lang="en-US" sz="1600" dirty="0" smtClean="0">
+                <a:latin typeface="Courier"/>
+                <a:cs typeface="Courier"/>
+              </a:rPr>
+              <a:t>      &lt;</a:t>
+            </a:r>
+            <a:r>
+              <a:rPr lang="en-US" sz="1600" dirty="0">
+                <a:latin typeface="Courier"/>
+                <a:cs typeface="Courier"/>
+              </a:rPr>
+              <a:t>/</a:t>
+            </a:r>
+            <a:r>
+              <a:rPr lang="en-US" sz="1600" dirty="0" err="1">
+                <a:latin typeface="Courier"/>
+                <a:cs typeface="Courier"/>
+              </a:rPr>
+              <a:t>wsa:Address</a:t>
+            </a:r>
+            <a:r>
+              <a:rPr lang="en-US" sz="1600" dirty="0">
+                <a:latin typeface="Courier"/>
+                <a:cs typeface="Courier"/>
+              </a:rPr>
+              <a:t>&gt;</a:t>
+            </a:r>
+          </a:p>
+          <a:p>
+            <a:r>
+              <a:rPr lang="en-US" sz="1600" dirty="0" smtClean="0">
+                <a:latin typeface="Courier"/>
+                <a:cs typeface="Courier"/>
+              </a:rPr>
+              <a:t>   </a:t>
+            </a:r>
+            <a:r>
+              <a:rPr lang="en-US" sz="1600" dirty="0">
+                <a:latin typeface="Courier"/>
+                <a:cs typeface="Courier"/>
+              </a:rPr>
+              <a:t>&lt;/</a:t>
+            </a:r>
+            <a:r>
+              <a:rPr lang="en-US" sz="1600" dirty="0" err="1">
+                <a:latin typeface="Courier"/>
+                <a:cs typeface="Courier"/>
+              </a:rPr>
+              <a:t>wsa:EndpointReference</a:t>
+            </a:r>
+            <a:r>
+              <a:rPr lang="en-US" sz="1600" dirty="0">
+                <a:latin typeface="Courier"/>
+                <a:cs typeface="Courier"/>
+              </a:rPr>
+              <a:t>&gt;</a:t>
+            </a:r>
+          </a:p>
+          <a:p>
+            <a:r>
+              <a:rPr lang="en-US" sz="1600" dirty="0" smtClean="0">
+                <a:latin typeface="Courier"/>
+                <a:cs typeface="Courier"/>
+              </a:rPr>
+              <a:t>   </a:t>
+            </a:r>
+            <a:r>
+              <a:rPr lang="en-US" sz="1600" dirty="0">
+                <a:latin typeface="Courier"/>
+                <a:cs typeface="Courier"/>
+              </a:rPr>
+              <a:t>&lt;</a:t>
+            </a:r>
+            <a:r>
+              <a:rPr lang="en-US" sz="1600" dirty="0" err="1">
+                <a:latin typeface="Courier"/>
+                <a:cs typeface="Courier"/>
+              </a:rPr>
+              <a:t>wsd:Types</a:t>
+            </a:r>
+            <a:r>
+              <a:rPr lang="en-US" sz="1600" dirty="0">
+                <a:latin typeface="Courier"/>
+                <a:cs typeface="Courier"/>
+              </a:rPr>
+              <a:t> </a:t>
+            </a:r>
+            <a:r>
+              <a:rPr lang="en-US" sz="1600" dirty="0" err="1" smtClean="0">
+                <a:latin typeface="Courier"/>
+                <a:cs typeface="Courier"/>
+              </a:rPr>
+              <a:t>xmlns:a</a:t>
+            </a:r>
+            <a:r>
+              <a:rPr lang="en-US" sz="1600" dirty="0" smtClean="0">
+                <a:latin typeface="Courier"/>
+                <a:cs typeface="Courier"/>
+              </a:rPr>
+              <a:t>=</a:t>
+            </a:r>
+            <a:r>
+              <a:rPr lang="en-US" sz="1600" dirty="0">
+                <a:latin typeface="Courier"/>
+                <a:cs typeface="Courier"/>
+              </a:rPr>
+              <a:t>"http://echo</a:t>
+            </a:r>
+            <a:r>
+              <a:rPr lang="en-US" sz="1600" dirty="0" smtClean="0">
+                <a:latin typeface="Courier"/>
+                <a:cs typeface="Courier"/>
+              </a:rPr>
+              <a:t>..</a:t>
+            </a:r>
+            <a:r>
+              <a:rPr lang="en-US" sz="1600" dirty="0">
+                <a:latin typeface="Courier"/>
+                <a:cs typeface="Courier"/>
+              </a:rPr>
+              <a:t>wso2.org"&gt;</a:t>
+            </a:r>
+            <a:r>
+              <a:rPr lang="en-US" sz="1600" dirty="0" err="1" smtClean="0">
+                <a:latin typeface="Courier"/>
+                <a:cs typeface="Courier"/>
+              </a:rPr>
+              <a:t>a:echoPortType</a:t>
+            </a:r>
+            <a:r>
+              <a:rPr lang="en-US" sz="1600" dirty="0" smtClean="0">
+                <a:latin typeface="Courier"/>
+                <a:cs typeface="Courier"/>
+              </a:rPr>
+              <a:t/>
+            </a:r>
+            <a:br>
+              <a:rPr lang="en-US" sz="1600" dirty="0" smtClean="0">
+                <a:latin typeface="Courier"/>
+                <a:cs typeface="Courier"/>
+              </a:rPr>
+            </a:br>
+            <a:r>
+              <a:rPr lang="en-US" sz="1600" dirty="0" smtClean="0">
+                <a:latin typeface="Courier"/>
+                <a:cs typeface="Courier"/>
+              </a:rPr>
+              <a:t>   &lt;</a:t>
+            </a:r>
+            <a:r>
+              <a:rPr lang="en-US" sz="1600" dirty="0">
+                <a:latin typeface="Courier"/>
+                <a:cs typeface="Courier"/>
+              </a:rPr>
+              <a:t>/</a:t>
+            </a:r>
+            <a:r>
+              <a:rPr lang="en-US" sz="1600" dirty="0" err="1">
+                <a:latin typeface="Courier"/>
+                <a:cs typeface="Courier"/>
+              </a:rPr>
+              <a:t>wsd:Types</a:t>
+            </a:r>
+            <a:r>
+              <a:rPr lang="en-US" sz="1600" dirty="0">
+                <a:latin typeface="Courier"/>
+                <a:cs typeface="Courier"/>
+              </a:rPr>
+              <a:t>&gt;</a:t>
+            </a:r>
+          </a:p>
+          <a:p>
+            <a:r>
+              <a:rPr lang="en-US" sz="1600" dirty="0">
+                <a:latin typeface="Courier"/>
+                <a:cs typeface="Courier"/>
+              </a:rPr>
+              <a:t>   </a:t>
+            </a:r>
+            <a:r>
+              <a:rPr lang="en-US" sz="1600" dirty="0" smtClean="0">
+                <a:latin typeface="Courier"/>
+                <a:cs typeface="Courier"/>
+              </a:rPr>
+              <a:t>&lt;</a:t>
+            </a:r>
+            <a:r>
+              <a:rPr lang="en-US" sz="1600" dirty="0" err="1">
+                <a:latin typeface="Courier"/>
+                <a:cs typeface="Courier"/>
+              </a:rPr>
+              <a:t>wsd:Scopes</a:t>
+            </a:r>
+            <a:r>
+              <a:rPr lang="en-US" sz="1600" dirty="0">
+                <a:latin typeface="Courier"/>
+                <a:cs typeface="Courier"/>
+              </a:rPr>
+              <a:t>&gt;http:/</a:t>
+            </a:r>
+            <a:r>
+              <a:rPr lang="en-US" sz="1600" dirty="0" smtClean="0">
+                <a:latin typeface="Courier"/>
+                <a:cs typeface="Courier"/>
+              </a:rPr>
+              <a:t>/…/</a:t>
+            </a:r>
+            <a:r>
+              <a:rPr lang="en-US" sz="1600" dirty="0" err="1">
+                <a:latin typeface="Courier"/>
+                <a:cs typeface="Courier"/>
+              </a:rPr>
+              <a:t>ws-dd</a:t>
+            </a:r>
+            <a:r>
+              <a:rPr lang="en-US" sz="1600" dirty="0">
+                <a:latin typeface="Courier"/>
+                <a:cs typeface="Courier"/>
+              </a:rPr>
+              <a:t>/ns/discovery/2009/01/</a:t>
+            </a:r>
+            <a:r>
+              <a:rPr lang="en-US" sz="1600" dirty="0" err="1" smtClean="0">
+                <a:latin typeface="Courier"/>
+                <a:cs typeface="Courier"/>
+              </a:rPr>
+              <a:t>DefaultScope</a:t>
+            </a:r>
+            <a:r>
+              <a:rPr lang="en-US" sz="1600" dirty="0" smtClean="0">
+                <a:latin typeface="Courier"/>
+                <a:cs typeface="Courier"/>
+              </a:rPr>
+              <a:t/>
+            </a:r>
+            <a:br>
+              <a:rPr lang="en-US" sz="1600" dirty="0" smtClean="0">
+                <a:latin typeface="Courier"/>
+                <a:cs typeface="Courier"/>
+              </a:rPr>
+            </a:br>
+            <a:r>
+              <a:rPr lang="en-US" sz="1600" dirty="0" smtClean="0">
+                <a:latin typeface="Courier"/>
+                <a:cs typeface="Courier"/>
+              </a:rPr>
+              <a:t>   &lt;</a:t>
+            </a:r>
+            <a:r>
+              <a:rPr lang="en-US" sz="1600" dirty="0">
+                <a:latin typeface="Courier"/>
+                <a:cs typeface="Courier"/>
+              </a:rPr>
+              <a:t>/</a:t>
+            </a:r>
+            <a:r>
+              <a:rPr lang="en-US" sz="1600" dirty="0" err="1">
+                <a:latin typeface="Courier"/>
+                <a:cs typeface="Courier"/>
+              </a:rPr>
+              <a:t>wsd:Scopes</a:t>
+            </a:r>
+            <a:r>
+              <a:rPr lang="en-US" sz="1600" dirty="0">
+                <a:latin typeface="Courier"/>
+                <a:cs typeface="Courier"/>
+              </a:rPr>
+              <a:t>&gt;</a:t>
+            </a:r>
+          </a:p>
+          <a:p>
+            <a:r>
+              <a:rPr lang="en-US" sz="1600" dirty="0">
+                <a:latin typeface="Courier"/>
+                <a:cs typeface="Courier"/>
+              </a:rPr>
+              <a:t>   </a:t>
+            </a:r>
+            <a:r>
+              <a:rPr lang="en-US" sz="1600" dirty="0" smtClean="0">
+                <a:latin typeface="Courier"/>
+                <a:cs typeface="Courier"/>
+              </a:rPr>
+              <a:t>&lt;</a:t>
+            </a:r>
+            <a:r>
+              <a:rPr lang="en-US" sz="1600" dirty="0" err="1">
+                <a:latin typeface="Courier"/>
+                <a:cs typeface="Courier"/>
+              </a:rPr>
+              <a:t>wsd:XAddrs</a:t>
+            </a:r>
+            <a:r>
+              <a:rPr lang="en-US" sz="1600" dirty="0">
+                <a:latin typeface="Courier"/>
+                <a:cs typeface="Courier"/>
+              </a:rPr>
+              <a:t>&gt;https://localhost:8243/services/</a:t>
+            </a:r>
+            <a:r>
+              <a:rPr lang="en-US" sz="1600" dirty="0" smtClean="0">
+                <a:latin typeface="Courier"/>
+                <a:cs typeface="Courier"/>
+              </a:rPr>
+              <a:t>echo</a:t>
+            </a:r>
+            <a:br>
+              <a:rPr lang="en-US" sz="1600" dirty="0" smtClean="0">
+                <a:latin typeface="Courier"/>
+                <a:cs typeface="Courier"/>
+              </a:rPr>
+            </a:br>
+            <a:r>
+              <a:rPr lang="en-US" sz="1600" dirty="0" smtClean="0">
+                <a:latin typeface="Courier"/>
+                <a:cs typeface="Courier"/>
+              </a:rPr>
+              <a:t>               </a:t>
+            </a:r>
+            <a:r>
+              <a:rPr lang="en-US" sz="1600" dirty="0">
+                <a:latin typeface="Courier"/>
+                <a:cs typeface="Courier"/>
+              </a:rPr>
+              <a:t>http://localhost:8280/services/echo&lt;/</a:t>
+            </a:r>
+            <a:r>
+              <a:rPr lang="en-US" sz="1600" dirty="0" err="1">
+                <a:latin typeface="Courier"/>
+                <a:cs typeface="Courier"/>
+              </a:rPr>
+              <a:t>wsd:XAddrs</a:t>
+            </a:r>
+            <a:r>
+              <a:rPr lang="en-US" sz="1600" dirty="0">
+                <a:latin typeface="Courier"/>
+                <a:cs typeface="Courier"/>
+              </a:rPr>
+              <a:t>&gt;</a:t>
+            </a:r>
+          </a:p>
+          <a:p>
+            <a:r>
+              <a:rPr lang="en-US" sz="1600" dirty="0">
+                <a:latin typeface="Courier"/>
+                <a:cs typeface="Courier"/>
+              </a:rPr>
+              <a:t>   </a:t>
+            </a:r>
+            <a:r>
+              <a:rPr lang="en-US" sz="1600" dirty="0" smtClean="0">
+                <a:latin typeface="Courier"/>
+                <a:cs typeface="Courier"/>
+              </a:rPr>
+              <a:t>&lt;</a:t>
+            </a:r>
+            <a:r>
+              <a:rPr lang="en-US" sz="1600" dirty="0" err="1">
+                <a:latin typeface="Courier"/>
+                <a:cs typeface="Courier"/>
+              </a:rPr>
+              <a:t>wsd:MetadataVersion</a:t>
+            </a:r>
+            <a:r>
+              <a:rPr lang="en-US" sz="1600" dirty="0">
+                <a:latin typeface="Courier"/>
+                <a:cs typeface="Courier"/>
+              </a:rPr>
+              <a:t>&gt;1&lt;/</a:t>
+            </a:r>
+            <a:r>
+              <a:rPr lang="en-US" sz="1600" dirty="0" err="1">
+                <a:latin typeface="Courier"/>
+                <a:cs typeface="Courier"/>
+              </a:rPr>
+              <a:t>wsd:MetadataVersion</a:t>
+            </a:r>
+            <a:r>
+              <a:rPr lang="en-US" sz="1600" dirty="0">
+                <a:latin typeface="Courier"/>
+                <a:cs typeface="Courier"/>
+              </a:rPr>
+              <a:t>&gt;</a:t>
+            </a:r>
+          </a:p>
+          <a:p>
+            <a:r>
+              <a:rPr lang="en-US" sz="1600" dirty="0" smtClean="0">
+                <a:latin typeface="Courier"/>
+                <a:cs typeface="Courier"/>
+              </a:rPr>
+              <a:t>&lt;</a:t>
+            </a:r>
+            <a:r>
+              <a:rPr lang="en-US" sz="1600" dirty="0">
+                <a:latin typeface="Courier"/>
+                <a:cs typeface="Courier"/>
+              </a:rPr>
+              <a:t>/</a:t>
+            </a:r>
+            <a:r>
+              <a:rPr lang="en-US" sz="1600" dirty="0" err="1">
+                <a:latin typeface="Courier"/>
+                <a:cs typeface="Courier"/>
+              </a:rPr>
+              <a:t>wsd:Hello</a:t>
+            </a:r>
+            <a:r>
+              <a:rPr lang="en-US" sz="1600" dirty="0">
+                <a:latin typeface="Courier"/>
+                <a:cs typeface="Courier"/>
+              </a:rPr>
+              <a:t>&gt;</a:t>
+            </a:r>
+          </a:p>
+        </p:txBody>
+      </p:sp>
+    </p:spTree>
+    <p:extLst>
+      <p:ext uri="{BB962C8B-B14F-4D97-AF65-F5344CB8AC3E}">
+        <p14:creationId xmlns:p14="http://schemas.microsoft.com/office/powerpoint/2010/main" val="2834136846"/>
+      </p:ext>
+    </p:extLst>
+  </p:cSld>
+  <p:clrMapOvr>
+    <a:masterClrMapping/>
+  </p:clrMapOvr>
+</p:sld>
+</file>
+
+<file path=ppt/slides/slide12.xml><?xml version="1.0" encoding="utf-8"?>
+<p:sld xmlns:a="http://schemas.openxmlformats.org/drawingml/2006/main" xmlns:r="http://schemas.openxmlformats.org/officeDocument/2006/relationships" xmlns:p="http://schemas.openxmlformats.org/presentationml/2006/main">
+  <p:cSld>
+    <p:spTree>
+      <p:nvGrpSpPr>
+        <p:cNvPr id="1" name=""/>
+        <p:cNvGrpSpPr/>
+        <p:nvPr/>
+      </p:nvGrpSpPr>
+      <p:grpSpPr>
+        <a:xfrm>
+          <a:off x="0" y="0"/>
+          <a:ext cx="0" cy="0"/>
+          <a:chOff x="0" y="0"/>
+          <a:chExt cx="0" cy="0"/>
+        </a:xfrm>
+      </p:grpSpPr>
+      <p:sp>
+        <p:nvSpPr>
+          <p:cNvPr id="2" name="Title 1"/>
+          <p:cNvSpPr>
+            <a:spLocks noGrp="1"/>
+          </p:cNvSpPr>
+          <p:nvPr>
+            <p:ph type="title"/>
+          </p:nvPr>
+        </p:nvSpPr>
+        <p:spPr/>
+        <p:txBody>
+          <a:bodyPr>
+            <a:normAutofit fontScale="90000"/>
+          </a:bodyPr>
+          <a:lstStyle/>
+          <a:p>
+            <a:r>
+              <a:rPr lang="en-US" dirty="0" smtClean="0"/>
+              <a:t>SOA Repository </a:t>
+            </a:r>
+            <a:r>
+              <a:rPr lang="en-US" dirty="0" err="1" smtClean="0"/>
+              <a:t>Artefact</a:t>
+            </a:r>
+            <a:r>
+              <a:rPr lang="en-US" dirty="0" smtClean="0"/>
+              <a:t> Model and Protocol (S-RAMP)</a:t>
+            </a:r>
+            <a:endParaRPr lang="en-US" dirty="0"/>
+          </a:p>
+        </p:txBody>
+      </p:sp>
+      <p:sp>
+        <p:nvSpPr>
+          <p:cNvPr id="3" name="Content Placeholder 2"/>
+          <p:cNvSpPr>
+            <a:spLocks noGrp="1"/>
+          </p:cNvSpPr>
+          <p:nvPr>
+            <p:ph idx="1"/>
+          </p:nvPr>
+        </p:nvSpPr>
+        <p:spPr/>
+        <p:txBody>
+          <a:bodyPr>
+            <a:normAutofit lnSpcReduction="10000"/>
+          </a:bodyPr>
+          <a:lstStyle/>
+          <a:p>
+            <a:r>
+              <a:rPr lang="en-US" dirty="0" smtClean="0"/>
+              <a:t>In progress at OASIS</a:t>
+            </a:r>
+          </a:p>
+          <a:p>
+            <a:r>
+              <a:rPr lang="en-US" dirty="0" smtClean="0"/>
+              <a:t>Based on Atom/</a:t>
+            </a:r>
+            <a:r>
+              <a:rPr lang="en-US" dirty="0" err="1" smtClean="0"/>
+              <a:t>AtomPub</a:t>
+            </a:r>
+            <a:r>
+              <a:rPr lang="en-US" dirty="0" smtClean="0"/>
+              <a:t> concepts</a:t>
+            </a:r>
+          </a:p>
+          <a:p>
+            <a:r>
+              <a:rPr lang="en-US" dirty="0" smtClean="0"/>
+              <a:t>Aimed at solving the real world problems left unanswered by UDDI</a:t>
+            </a:r>
+          </a:p>
+          <a:p>
+            <a:pPr lvl="1"/>
+            <a:r>
+              <a:rPr lang="en-US" dirty="0"/>
+              <a:t>Which </a:t>
+            </a:r>
+            <a:r>
+              <a:rPr lang="en-US" dirty="0" smtClean="0"/>
+              <a:t>WSDLs and schemas import a particular schema</a:t>
+            </a:r>
+            <a:endParaRPr lang="en-US" dirty="0"/>
+          </a:p>
+          <a:p>
+            <a:pPr lvl="1"/>
+            <a:r>
+              <a:rPr lang="en-US" dirty="0" smtClean="0"/>
+              <a:t>Which </a:t>
+            </a:r>
+            <a:r>
+              <a:rPr lang="en-US" dirty="0"/>
+              <a:t>of my s</a:t>
+            </a:r>
+            <a:r>
+              <a:rPr lang="en-US" dirty="0" smtClean="0"/>
+              <a:t>ervices are </a:t>
+            </a:r>
+            <a:r>
+              <a:rPr lang="en-US" dirty="0"/>
+              <a:t>in production?</a:t>
+            </a:r>
+          </a:p>
+          <a:p>
+            <a:pPr lvl="1"/>
+            <a:r>
+              <a:rPr lang="en-US" dirty="0"/>
+              <a:t>Which s</a:t>
+            </a:r>
+            <a:r>
+              <a:rPr lang="en-US" dirty="0" smtClean="0"/>
+              <a:t>ervices are </a:t>
+            </a:r>
+            <a:r>
+              <a:rPr lang="en-US" dirty="0"/>
+              <a:t>governed by </a:t>
+            </a:r>
+            <a:r>
+              <a:rPr lang="en-US" dirty="0" smtClean="0"/>
+              <a:t>a specific SLA?</a:t>
+            </a:r>
+          </a:p>
+          <a:p>
+            <a:pPr lvl="1"/>
+            <a:r>
+              <a:rPr lang="en-US" dirty="0" smtClean="0"/>
+              <a:t>What is the latest version of service X?</a:t>
+            </a:r>
+          </a:p>
+          <a:p>
+            <a:pPr marL="457200" lvl="1" indent="0">
+              <a:buNone/>
+            </a:pPr>
+            <a:endParaRPr lang="en-US" dirty="0"/>
+          </a:p>
+          <a:p>
+            <a:endParaRPr lang="en-US" dirty="0"/>
+          </a:p>
+        </p:txBody>
+      </p:sp>
+    </p:spTree>
+    <p:extLst>
+      <p:ext uri="{BB962C8B-B14F-4D97-AF65-F5344CB8AC3E}">
+        <p14:creationId xmlns:p14="http://schemas.microsoft.com/office/powerpoint/2010/main" val="393445894"/>
+      </p:ext>
+    </p:extLst>
+  </p:cSld>
+  <p:clrMapOvr>
+    <a:masterClrMapping/>
+  </p:clrMapOvr>
+</p:sld>
+</file>
+
+<file path=ppt/slides/slide13.xml><?xml version="1.0" encoding="utf-8"?>
+<p:sld xmlns:a="http://schemas.openxmlformats.org/drawingml/2006/main" xmlns:r="http://schemas.openxmlformats.org/officeDocument/2006/relationships" xmlns:p="http://schemas.openxmlformats.org/presentationml/2006/main">
+  <p:cSld>
+    <p:spTree>
+      <p:nvGrpSpPr>
+        <p:cNvPr id="1" name=""/>
+        <p:cNvGrpSpPr/>
+        <p:nvPr/>
+      </p:nvGrpSpPr>
+      <p:grpSpPr>
+        <a:xfrm>
+          <a:off x="0" y="0"/>
+          <a:ext cx="0" cy="0"/>
+          <a:chOff x="0" y="0"/>
+          <a:chExt cx="0" cy="0"/>
+        </a:xfrm>
+      </p:grpSpPr>
+      <p:sp>
+        <p:nvSpPr>
+          <p:cNvPr id="2" name="Title 1"/>
+          <p:cNvSpPr>
+            <a:spLocks noGrp="1"/>
+          </p:cNvSpPr>
+          <p:nvPr>
+            <p:ph type="title"/>
+          </p:nvPr>
+        </p:nvSpPr>
+        <p:spPr/>
+        <p:txBody>
+          <a:bodyPr/>
+          <a:lstStyle/>
+          <a:p>
+            <a:r>
+              <a:rPr lang="en-US" dirty="0" smtClean="0"/>
+              <a:t>Aspects of “real” registries</a:t>
+            </a:r>
+            <a:endParaRPr lang="en-US" dirty="0"/>
+          </a:p>
+        </p:txBody>
+      </p:sp>
+      <p:sp>
+        <p:nvSpPr>
+          <p:cNvPr id="3" name="Content Placeholder 2"/>
+          <p:cNvSpPr>
+            <a:spLocks noGrp="1"/>
+          </p:cNvSpPr>
+          <p:nvPr>
+            <p:ph idx="1"/>
+          </p:nvPr>
+        </p:nvSpPr>
+        <p:spPr/>
+        <p:txBody>
+          <a:bodyPr>
+            <a:normAutofit fontScale="92500" lnSpcReduction="20000"/>
+          </a:bodyPr>
+          <a:lstStyle/>
+          <a:p>
+            <a:r>
+              <a:rPr lang="en-US" dirty="0" smtClean="0"/>
+              <a:t>Meta-</a:t>
+            </a:r>
+            <a:r>
+              <a:rPr lang="en-US" dirty="0" err="1" smtClean="0"/>
+              <a:t>Modelling</a:t>
+            </a:r>
+            <a:endParaRPr lang="en-US" dirty="0" smtClean="0"/>
+          </a:p>
+          <a:p>
+            <a:r>
+              <a:rPr lang="en-US" dirty="0" smtClean="0"/>
+              <a:t>Taxonomies</a:t>
+            </a:r>
+          </a:p>
+          <a:p>
+            <a:r>
+              <a:rPr lang="en-US" dirty="0" smtClean="0"/>
+              <a:t>Versioning</a:t>
+            </a:r>
+          </a:p>
+          <a:p>
+            <a:r>
+              <a:rPr lang="en-US" dirty="0" smtClean="0"/>
+              <a:t>Associations and Properties</a:t>
+            </a:r>
+          </a:p>
+          <a:p>
+            <a:r>
+              <a:rPr lang="en-US" dirty="0" smtClean="0"/>
+              <a:t>Lifecycle Management</a:t>
+            </a:r>
+          </a:p>
+          <a:p>
+            <a:r>
+              <a:rPr lang="en-US" dirty="0" smtClean="0"/>
+              <a:t>Dependency Management</a:t>
+            </a:r>
+          </a:p>
+          <a:p>
+            <a:r>
+              <a:rPr lang="en-US" dirty="0" smtClean="0"/>
+              <a:t>Repository</a:t>
+            </a:r>
+          </a:p>
+          <a:p>
+            <a:r>
+              <a:rPr lang="en-US" dirty="0" smtClean="0"/>
+              <a:t>Search</a:t>
+            </a:r>
+          </a:p>
+          <a:p>
+            <a:r>
+              <a:rPr lang="en-US" dirty="0" smtClean="0"/>
+              <a:t>Machine and Human interfaces</a:t>
+            </a:r>
+            <a:endParaRPr lang="en-US" dirty="0"/>
+          </a:p>
+        </p:txBody>
+      </p:sp>
+    </p:spTree>
+    <p:extLst>
+      <p:ext uri="{BB962C8B-B14F-4D97-AF65-F5344CB8AC3E}">
+        <p14:creationId xmlns:p14="http://schemas.microsoft.com/office/powerpoint/2010/main" val="321966723"/>
+      </p:ext>
+    </p:extLst>
+  </p:cSld>
+  <p:clrMapOvr>
+    <a:masterClrMapping/>
+  </p:clrMapOvr>
+</p:sld>
+</file>
+
+<file path=ppt/slides/slide14.xml><?xml version="1.0" encoding="utf-8"?>
+<p:sld xmlns:a="http://schemas.openxmlformats.org/drawingml/2006/main" xmlns:r="http://schemas.openxmlformats.org/officeDocument/2006/relationships" xmlns:p="http://schemas.openxmlformats.org/presentationml/2006/main">
+  <p:cSld>
+    <p:spTree>
+      <p:nvGrpSpPr>
+        <p:cNvPr id="1" name=""/>
+        <p:cNvGrpSpPr/>
+        <p:nvPr/>
+      </p:nvGrpSpPr>
+      <p:grpSpPr>
+        <a:xfrm>
+          <a:off x="0" y="0"/>
+          <a:ext cx="0" cy="0"/>
+          <a:chOff x="0" y="0"/>
+          <a:chExt cx="0" cy="0"/>
+        </a:xfrm>
+      </p:grpSpPr>
+      <p:sp>
+        <p:nvSpPr>
+          <p:cNvPr id="2" name="Title 1"/>
+          <p:cNvSpPr>
+            <a:spLocks noGrp="1"/>
+          </p:cNvSpPr>
+          <p:nvPr>
+            <p:ph type="title"/>
+          </p:nvPr>
+        </p:nvSpPr>
+        <p:spPr/>
+        <p:txBody>
+          <a:bodyPr/>
+          <a:lstStyle/>
+          <a:p>
+            <a:r>
+              <a:rPr lang="en-US" dirty="0" smtClean="0"/>
+              <a:t>Meta-</a:t>
+            </a:r>
+            <a:r>
+              <a:rPr lang="en-US" dirty="0" err="1" smtClean="0"/>
+              <a:t>Modelling</a:t>
+            </a:r>
+            <a:endParaRPr lang="en-US" dirty="0"/>
+          </a:p>
+        </p:txBody>
+      </p:sp>
+      <p:sp>
+        <p:nvSpPr>
+          <p:cNvPr id="3" name="Content Placeholder 2"/>
+          <p:cNvSpPr>
+            <a:spLocks noGrp="1"/>
+          </p:cNvSpPr>
+          <p:nvPr>
+            <p:ph idx="1"/>
+          </p:nvPr>
+        </p:nvSpPr>
+        <p:spPr/>
+        <p:txBody>
+          <a:bodyPr/>
+          <a:lstStyle/>
+          <a:p>
+            <a:r>
+              <a:rPr lang="en-US" dirty="0" smtClean="0"/>
+              <a:t>Creating / modifying the model to support new </a:t>
+            </a:r>
+            <a:r>
+              <a:rPr lang="en-US" dirty="0" err="1" smtClean="0"/>
+              <a:t>artefacts</a:t>
+            </a:r>
+            <a:endParaRPr lang="en-US" dirty="0" smtClean="0"/>
+          </a:p>
+          <a:p>
+            <a:pPr lvl="1"/>
+            <a:r>
+              <a:rPr lang="en-US" dirty="0" smtClean="0"/>
+              <a:t>e.g. Teams, Projects, Organizations, </a:t>
+            </a:r>
+            <a:r>
+              <a:rPr lang="en-US" dirty="0" err="1" smtClean="0"/>
+              <a:t>etc</a:t>
+            </a:r>
+            <a:endParaRPr lang="en-US" dirty="0" smtClean="0"/>
+          </a:p>
+          <a:p>
+            <a:r>
+              <a:rPr lang="en-US" dirty="0" smtClean="0"/>
+              <a:t>Also used for extending more technical attributes</a:t>
+            </a:r>
+          </a:p>
+          <a:p>
+            <a:pPr lvl="1"/>
+            <a:r>
+              <a:rPr lang="en-US" dirty="0" smtClean="0"/>
+              <a:t>e.g. adding WADL or Swagger support</a:t>
+            </a:r>
+            <a:endParaRPr lang="en-US" dirty="0"/>
+          </a:p>
+        </p:txBody>
+      </p:sp>
+    </p:spTree>
+    <p:extLst>
+      <p:ext uri="{BB962C8B-B14F-4D97-AF65-F5344CB8AC3E}">
+        <p14:creationId xmlns:p14="http://schemas.microsoft.com/office/powerpoint/2010/main" val="3098162916"/>
+      </p:ext>
+    </p:extLst>
+  </p:cSld>
+  <p:clrMapOvr>
+    <a:masterClrMapping/>
+  </p:clrMapOvr>
+</p:sld>
+</file>
+
+<file path=ppt/slides/slide15.xml><?xml version="1.0" encoding="utf-8"?>
+<p:sld xmlns:a="http://schemas.openxmlformats.org/drawingml/2006/main" xmlns:r="http://schemas.openxmlformats.org/officeDocument/2006/relationships" xmlns:p="http://schemas.openxmlformats.org/presentationml/2006/main">
+  <p:cSld>
+    <p:spTree>
+      <p:nvGrpSpPr>
+        <p:cNvPr id="1" name=""/>
+        <p:cNvGrpSpPr/>
+        <p:nvPr/>
+      </p:nvGrpSpPr>
+      <p:grpSpPr>
+        <a:xfrm>
+          <a:off x="0" y="0"/>
+          <a:ext cx="0" cy="0"/>
+          <a:chOff x="0" y="0"/>
+          <a:chExt cx="0" cy="0"/>
+        </a:xfrm>
+      </p:grpSpPr>
+      <p:sp>
+        <p:nvSpPr>
+          <p:cNvPr id="2" name="Title 1"/>
+          <p:cNvSpPr>
+            <a:spLocks noGrp="1"/>
+          </p:cNvSpPr>
+          <p:nvPr>
+            <p:ph type="title"/>
+          </p:nvPr>
+        </p:nvSpPr>
+        <p:spPr/>
+        <p:txBody>
+          <a:bodyPr/>
+          <a:lstStyle/>
+          <a:p>
+            <a:r>
+              <a:rPr lang="en-US" dirty="0" smtClean="0"/>
+              <a:t>Versioning</a:t>
+            </a:r>
+            <a:endParaRPr lang="en-US" dirty="0"/>
+          </a:p>
+        </p:txBody>
+      </p:sp>
+      <p:sp>
+        <p:nvSpPr>
+          <p:cNvPr id="3" name="Content Placeholder 2"/>
+          <p:cNvSpPr>
+            <a:spLocks noGrp="1"/>
+          </p:cNvSpPr>
+          <p:nvPr>
+            <p:ph idx="1"/>
+          </p:nvPr>
+        </p:nvSpPr>
+        <p:spPr/>
+        <p:txBody>
+          <a:bodyPr/>
+          <a:lstStyle/>
+          <a:p>
+            <a:r>
+              <a:rPr lang="en-US" dirty="0" smtClean="0"/>
+              <a:t>Micro-versioning/revision management</a:t>
+            </a:r>
+          </a:p>
+          <a:p>
+            <a:pPr lvl="1"/>
+            <a:r>
+              <a:rPr lang="en-US" dirty="0" smtClean="0"/>
+              <a:t>Keeping track of every minor update to a WSDL</a:t>
+            </a:r>
+          </a:p>
+          <a:p>
+            <a:pPr lvl="1"/>
+            <a:r>
+              <a:rPr lang="en-US" dirty="0" smtClean="0"/>
+              <a:t>Permanent URLs for given versions</a:t>
+            </a:r>
+          </a:p>
+          <a:p>
+            <a:r>
+              <a:rPr lang="en-US" dirty="0" smtClean="0"/>
+              <a:t>“Business” Versioning</a:t>
+            </a:r>
+          </a:p>
+          <a:p>
+            <a:pPr lvl="1"/>
+            <a:r>
+              <a:rPr lang="en-US" dirty="0" smtClean="0"/>
+              <a:t>Service A is available as </a:t>
+            </a:r>
+          </a:p>
+          <a:p>
+            <a:pPr lvl="2"/>
+            <a:r>
+              <a:rPr lang="en-US" dirty="0" smtClean="0"/>
+              <a:t>1.2.3 deprecated</a:t>
+            </a:r>
+          </a:p>
+          <a:p>
+            <a:pPr lvl="2"/>
+            <a:r>
+              <a:rPr lang="en-US" dirty="0" smtClean="0"/>
+              <a:t>2.5.1 current</a:t>
+            </a:r>
+          </a:p>
+          <a:p>
+            <a:pPr marL="0" indent="0">
+              <a:buNone/>
+            </a:pPr>
+            <a:endParaRPr lang="en-US" dirty="0"/>
+          </a:p>
+        </p:txBody>
+      </p:sp>
+    </p:spTree>
+    <p:extLst>
+      <p:ext uri="{BB962C8B-B14F-4D97-AF65-F5344CB8AC3E}">
+        <p14:creationId xmlns:p14="http://schemas.microsoft.com/office/powerpoint/2010/main" val="3200432333"/>
+      </p:ext>
+    </p:extLst>
+  </p:cSld>
+  <p:clrMapOvr>
+    <a:masterClrMapping/>
+  </p:clrMapOvr>
+</p:sld>
+</file>
+
+<file path=ppt/slides/slide16.xml><?xml version="1.0" encoding="utf-8"?>
+<p:sld xmlns:a="http://schemas.openxmlformats.org/drawingml/2006/main" xmlns:r="http://schemas.openxmlformats.org/officeDocument/2006/relationships" xmlns:p="http://schemas.openxmlformats.org/presentationml/2006/main">
+  <p:cSld>
+    <p:spTree>
+      <p:nvGrpSpPr>
+        <p:cNvPr id="1" name=""/>
+        <p:cNvGrpSpPr/>
+        <p:nvPr/>
+      </p:nvGrpSpPr>
+      <p:grpSpPr>
+        <a:xfrm>
+          <a:off x="0" y="0"/>
+          <a:ext cx="0" cy="0"/>
+          <a:chOff x="0" y="0"/>
+          <a:chExt cx="0" cy="0"/>
+        </a:xfrm>
+      </p:grpSpPr>
+      <p:sp>
+        <p:nvSpPr>
+          <p:cNvPr id="2" name="Title 1"/>
+          <p:cNvSpPr>
+            <a:spLocks noGrp="1"/>
+          </p:cNvSpPr>
+          <p:nvPr>
+            <p:ph type="title"/>
+          </p:nvPr>
+        </p:nvSpPr>
+        <p:spPr/>
+        <p:txBody>
+          <a:bodyPr/>
+          <a:lstStyle/>
+          <a:p>
+            <a:r>
+              <a:rPr lang="en-US" dirty="0" smtClean="0"/>
+              <a:t>Associations and Properties</a:t>
+            </a:r>
+            <a:endParaRPr lang="en-US" dirty="0"/>
+          </a:p>
+        </p:txBody>
+      </p:sp>
+      <p:sp>
+        <p:nvSpPr>
+          <p:cNvPr id="3" name="Content Placeholder 2"/>
+          <p:cNvSpPr>
+            <a:spLocks noGrp="1"/>
+          </p:cNvSpPr>
+          <p:nvPr>
+            <p:ph idx="1"/>
+          </p:nvPr>
+        </p:nvSpPr>
+        <p:spPr/>
+        <p:txBody>
+          <a:bodyPr/>
+          <a:lstStyle/>
+          <a:p>
+            <a:r>
+              <a:rPr lang="en-US" dirty="0" smtClean="0"/>
+              <a:t>Properties</a:t>
+            </a:r>
+          </a:p>
+          <a:p>
+            <a:pPr lvl="1"/>
+            <a:r>
+              <a:rPr lang="en-US" dirty="0" smtClean="0"/>
+              <a:t>General name / value pairs attached to resources</a:t>
+            </a:r>
+          </a:p>
+          <a:p>
+            <a:r>
+              <a:rPr lang="en-US" dirty="0" smtClean="0"/>
+              <a:t>Associations</a:t>
+            </a:r>
+          </a:p>
+          <a:p>
+            <a:pPr lvl="1"/>
+            <a:r>
+              <a:rPr lang="en-US" dirty="0" smtClean="0"/>
+              <a:t>Named Links between resources</a:t>
+            </a:r>
+          </a:p>
+          <a:p>
+            <a:pPr lvl="1"/>
+            <a:r>
+              <a:rPr lang="en-US" dirty="0" smtClean="0"/>
+              <a:t>e.g. </a:t>
+            </a:r>
+          </a:p>
+          <a:p>
+            <a:pPr lvl="2"/>
+            <a:r>
+              <a:rPr lang="en-US" dirty="0" smtClean="0"/>
+              <a:t>A </a:t>
+            </a:r>
+            <a:r>
+              <a:rPr lang="en-US" dirty="0" err="1" smtClean="0"/>
+              <a:t>isUsedBy</a:t>
+            </a:r>
+            <a:r>
+              <a:rPr lang="en-US" dirty="0" smtClean="0"/>
+              <a:t> B</a:t>
+            </a:r>
+          </a:p>
+          <a:p>
+            <a:pPr lvl="2"/>
+            <a:r>
+              <a:rPr lang="en-US" dirty="0" smtClean="0"/>
+              <a:t>B </a:t>
+            </a:r>
+            <a:r>
+              <a:rPr lang="en-US" dirty="0" err="1" smtClean="0"/>
+              <a:t>isManagedBy</a:t>
+            </a:r>
+            <a:r>
+              <a:rPr lang="en-US" dirty="0" smtClean="0"/>
+              <a:t> C</a:t>
+            </a:r>
+            <a:endParaRPr lang="en-US" dirty="0"/>
+          </a:p>
+        </p:txBody>
+      </p:sp>
+    </p:spTree>
+    <p:extLst>
+      <p:ext uri="{BB962C8B-B14F-4D97-AF65-F5344CB8AC3E}">
+        <p14:creationId xmlns:p14="http://schemas.microsoft.com/office/powerpoint/2010/main" val="2139771399"/>
+      </p:ext>
+    </p:extLst>
+  </p:cSld>
+  <p:clrMapOvr>
+    <a:masterClrMapping/>
+  </p:clrMapOvr>
+</p:sld>
+</file>
+
+<file path=ppt/slides/slide17.xml><?xml version="1.0" encoding="utf-8"?>
+<p:sld xmlns:a="http://schemas.openxmlformats.org/drawingml/2006/main" xmlns:r="http://schemas.openxmlformats.org/officeDocument/2006/relationships" xmlns:p="http://schemas.openxmlformats.org/presentationml/2006/main">
+  <p:cSld>
+    <p:spTree>
+      <p:nvGrpSpPr>
+        <p:cNvPr id="1" name=""/>
+        <p:cNvGrpSpPr/>
+        <p:nvPr/>
+      </p:nvGrpSpPr>
+      <p:grpSpPr>
+        <a:xfrm>
+          <a:off x="0" y="0"/>
+          <a:ext cx="0" cy="0"/>
+          <a:chOff x="0" y="0"/>
+          <a:chExt cx="0" cy="0"/>
+        </a:xfrm>
+      </p:grpSpPr>
+      <p:sp>
+        <p:nvSpPr>
+          <p:cNvPr id="2" name="Title 1"/>
+          <p:cNvSpPr>
+            <a:spLocks noGrp="1"/>
+          </p:cNvSpPr>
+          <p:nvPr>
+            <p:ph type="title"/>
+          </p:nvPr>
+        </p:nvSpPr>
+        <p:spPr/>
+        <p:txBody>
+          <a:bodyPr/>
+          <a:lstStyle/>
+          <a:p>
+            <a:r>
+              <a:rPr lang="en-US" dirty="0" smtClean="0"/>
+              <a:t>Lifecycle Management</a:t>
+            </a:r>
+            <a:endParaRPr lang="en-US" dirty="0"/>
+          </a:p>
+        </p:txBody>
+      </p:sp>
+      <p:sp>
+        <p:nvSpPr>
+          <p:cNvPr id="3" name="Content Placeholder 2"/>
+          <p:cNvSpPr>
+            <a:spLocks noGrp="1"/>
+          </p:cNvSpPr>
+          <p:nvPr>
+            <p:ph idx="1"/>
+          </p:nvPr>
+        </p:nvSpPr>
+        <p:spPr/>
+        <p:txBody>
+          <a:bodyPr>
+            <a:normAutofit lnSpcReduction="10000"/>
+          </a:bodyPr>
+          <a:lstStyle/>
+          <a:p>
+            <a:r>
+              <a:rPr lang="en-US" dirty="0" smtClean="0"/>
+              <a:t>Each service in the corporate </a:t>
+            </a:r>
+            <a:r>
+              <a:rPr lang="en-US" dirty="0" err="1" smtClean="0"/>
+              <a:t>datacentre</a:t>
+            </a:r>
+            <a:r>
+              <a:rPr lang="en-US" dirty="0" smtClean="0"/>
+              <a:t> MUST:</a:t>
+            </a:r>
+          </a:p>
+          <a:p>
+            <a:pPr lvl="1"/>
+            <a:r>
+              <a:rPr lang="en-US" dirty="0" smtClean="0"/>
+              <a:t>Start as “In Design”</a:t>
+            </a:r>
+          </a:p>
+          <a:p>
+            <a:pPr lvl="1"/>
+            <a:r>
+              <a:rPr lang="en-US" dirty="0" smtClean="0"/>
+              <a:t>Be approved by the Design Review Team</a:t>
+            </a:r>
+          </a:p>
+          <a:p>
+            <a:pPr lvl="1"/>
+            <a:r>
+              <a:rPr lang="en-US" dirty="0" smtClean="0"/>
+              <a:t>Iterate through Development</a:t>
+            </a:r>
+          </a:p>
+          <a:p>
+            <a:pPr lvl="1"/>
+            <a:r>
+              <a:rPr lang="en-US" dirty="0" smtClean="0"/>
+              <a:t>Pass validation tests before entering Staging</a:t>
+            </a:r>
+          </a:p>
+          <a:p>
+            <a:pPr lvl="1"/>
+            <a:r>
+              <a:rPr lang="en-US" dirty="0" smtClean="0"/>
+              <a:t>Be approved by the Security and Performance Teams before entering Production</a:t>
+            </a:r>
+          </a:p>
+          <a:p>
+            <a:pPr lvl="1"/>
+            <a:r>
+              <a:rPr lang="en-US" dirty="0" smtClean="0"/>
+              <a:t>Be deprecated when no longer supported</a:t>
+            </a:r>
+            <a:endParaRPr lang="en-US" dirty="0"/>
+          </a:p>
+        </p:txBody>
+      </p:sp>
+    </p:spTree>
+    <p:extLst>
+      <p:ext uri="{BB962C8B-B14F-4D97-AF65-F5344CB8AC3E}">
+        <p14:creationId xmlns:p14="http://schemas.microsoft.com/office/powerpoint/2010/main" val="3251963176"/>
+      </p:ext>
+    </p:extLst>
+  </p:cSld>
+  <p:clrMapOvr>
+    <a:masterClrMapping/>
+  </p:clrMapOvr>
+</p:sld>
+</file>
+
+<file path=ppt/slides/slide18.xml><?xml version="1.0" encoding="utf-8"?>
+<p:sld xmlns:a="http://schemas.openxmlformats.org/drawingml/2006/main" xmlns:r="http://schemas.openxmlformats.org/officeDocument/2006/relationships" xmlns:p="http://schemas.openxmlformats.org/presentationml/2006/main">
+  <p:cSld>
+    <p:spTree>
+      <p:nvGrpSpPr>
+        <p:cNvPr id="1" name=""/>
+        <p:cNvGrpSpPr/>
+        <p:nvPr/>
+      </p:nvGrpSpPr>
+      <p:grpSpPr>
+        <a:xfrm>
+          <a:off x="0" y="0"/>
+          <a:ext cx="0" cy="0"/>
+          <a:chOff x="0" y="0"/>
+          <a:chExt cx="0" cy="0"/>
+        </a:xfrm>
+      </p:grpSpPr>
+      <p:sp>
+        <p:nvSpPr>
+          <p:cNvPr id="2" name="Title 1"/>
+          <p:cNvSpPr>
+            <a:spLocks noGrp="1"/>
+          </p:cNvSpPr>
+          <p:nvPr>
+            <p:ph type="title"/>
+          </p:nvPr>
+        </p:nvSpPr>
+        <p:spPr/>
+        <p:txBody>
+          <a:bodyPr/>
+          <a:lstStyle/>
+          <a:p>
+            <a:r>
+              <a:rPr lang="en-US" dirty="0" smtClean="0"/>
+              <a:t>Dependency Management</a:t>
+            </a:r>
+            <a:endParaRPr lang="en-US" dirty="0"/>
+          </a:p>
+        </p:txBody>
+      </p:sp>
+      <p:sp>
+        <p:nvSpPr>
+          <p:cNvPr id="3" name="Content Placeholder 2"/>
+          <p:cNvSpPr>
+            <a:spLocks noGrp="1"/>
+          </p:cNvSpPr>
+          <p:nvPr>
+            <p:ph idx="1"/>
+          </p:nvPr>
+        </p:nvSpPr>
+        <p:spPr/>
+        <p:txBody>
+          <a:bodyPr/>
+          <a:lstStyle/>
+          <a:p>
+            <a:r>
+              <a:rPr lang="en-US" dirty="0" smtClean="0"/>
+              <a:t>Each Service </a:t>
+            </a:r>
+            <a:r>
+              <a:rPr lang="en-US" dirty="0" err="1" smtClean="0"/>
+              <a:t>Sn</a:t>
+            </a:r>
+            <a:r>
+              <a:rPr lang="en-US" dirty="0" smtClean="0"/>
+              <a:t> depends on Schemas {Y1..n}</a:t>
+            </a:r>
+          </a:p>
+          <a:p>
+            <a:r>
+              <a:rPr lang="en-US" dirty="0" smtClean="0"/>
+              <a:t>Schema Y depends on Schemas {Z1..n}</a:t>
+            </a:r>
+          </a:p>
+          <a:p>
+            <a:r>
+              <a:rPr lang="en-US" dirty="0" smtClean="0"/>
+              <a:t>Schemas are shared between services</a:t>
+            </a:r>
+          </a:p>
+          <a:p>
+            <a:r>
+              <a:rPr lang="en-US" dirty="0" smtClean="0"/>
+              <a:t>Owners and users of services need to be made aware of new versions of schemas they depend on (even if they didn’t know it!)</a:t>
+            </a:r>
+          </a:p>
+          <a:p>
+            <a:pPr marL="0" indent="0">
+              <a:buNone/>
+            </a:pPr>
+            <a:endParaRPr lang="en-US" dirty="0"/>
+          </a:p>
+        </p:txBody>
+      </p:sp>
+    </p:spTree>
+    <p:extLst>
+      <p:ext uri="{BB962C8B-B14F-4D97-AF65-F5344CB8AC3E}">
+        <p14:creationId xmlns:p14="http://schemas.microsoft.com/office/powerpoint/2010/main" val="1645322681"/>
+      </p:ext>
+    </p:extLst>
+  </p:cSld>
+  <p:clrMapOvr>
+    <a:masterClrMapping/>
+  </p:clrMapOvr>
+</p:sld>
+</file>
+
+<file path=ppt/slides/slide19.xml><?xml version="1.0" encoding="utf-8"?>
+<p:sld xmlns:a="http://schemas.openxmlformats.org/drawingml/2006/main" xmlns:r="http://schemas.openxmlformats.org/officeDocument/2006/relationships" xmlns:p="http://schemas.openxmlformats.org/presentationml/2006/main">
+  <p:cSld>
+    <p:spTree>
+      <p:nvGrpSpPr>
+        <p:cNvPr id="1" name=""/>
+        <p:cNvGrpSpPr/>
+        <p:nvPr/>
+      </p:nvGrpSpPr>
+      <p:grpSpPr>
+        <a:xfrm>
+          <a:off x="0" y="0"/>
+          <a:ext cx="0" cy="0"/>
+          <a:chOff x="0" y="0"/>
+          <a:chExt cx="0" cy="0"/>
+        </a:xfrm>
+      </p:grpSpPr>
+      <p:sp>
+        <p:nvSpPr>
+          <p:cNvPr id="2" name="Title 1"/>
+          <p:cNvSpPr>
+            <a:spLocks noGrp="1"/>
+          </p:cNvSpPr>
+          <p:nvPr>
+            <p:ph type="title"/>
+          </p:nvPr>
+        </p:nvSpPr>
+        <p:spPr/>
+        <p:txBody>
+          <a:bodyPr/>
+          <a:lstStyle/>
+          <a:p>
+            <a:r>
+              <a:rPr lang="en-US" dirty="0" smtClean="0"/>
+              <a:t>Interfaces</a:t>
+            </a:r>
+            <a:endParaRPr lang="en-US" dirty="0"/>
+          </a:p>
+        </p:txBody>
+      </p:sp>
+      <p:sp>
+        <p:nvSpPr>
+          <p:cNvPr id="3" name="Content Placeholder 2"/>
+          <p:cNvSpPr>
+            <a:spLocks noGrp="1"/>
+          </p:cNvSpPr>
+          <p:nvPr>
+            <p:ph idx="1"/>
+          </p:nvPr>
+        </p:nvSpPr>
+        <p:spPr/>
+        <p:txBody>
+          <a:bodyPr>
+            <a:normAutofit lnSpcReduction="10000"/>
+          </a:bodyPr>
+          <a:lstStyle/>
+          <a:p>
+            <a:r>
+              <a:rPr lang="en-US" dirty="0" smtClean="0"/>
+              <a:t>Registries are used by humans, but shouldn’t always be!</a:t>
+            </a:r>
+          </a:p>
+          <a:p>
+            <a:r>
+              <a:rPr lang="en-US" dirty="0" smtClean="0"/>
+              <a:t>e.g. Maven build rather than forcing developers to use a website</a:t>
+            </a:r>
+          </a:p>
+          <a:p>
+            <a:pPr lvl="1"/>
+            <a:r>
+              <a:rPr lang="en-US" dirty="0" smtClean="0"/>
+              <a:t>One company I know hires a “Registry Monkey” who ONLY enters services into a registry</a:t>
+            </a:r>
+          </a:p>
+          <a:p>
+            <a:pPr lvl="1"/>
+            <a:r>
+              <a:rPr lang="en-US" dirty="0" smtClean="0"/>
+              <a:t>Each service takes 83 steps</a:t>
+            </a:r>
+          </a:p>
+          <a:p>
+            <a:pPr lvl="1"/>
+            <a:r>
+              <a:rPr lang="en-US" dirty="0" smtClean="0"/>
+              <a:t>He hasn’t yet committed suicide</a:t>
+            </a:r>
+            <a:endParaRPr lang="en-US" dirty="0"/>
+          </a:p>
+        </p:txBody>
+      </p:sp>
+    </p:spTree>
+    <p:extLst>
+      <p:ext uri="{BB962C8B-B14F-4D97-AF65-F5344CB8AC3E}">
+        <p14:creationId xmlns:p14="http://schemas.microsoft.com/office/powerpoint/2010/main" val="4063319322"/>
+      </p:ext>
+    </p:extLst>
+  </p:cSld>
+  <p:clrMapOvr>
+    <a:masterClrMapping/>
+  </p:clrMapOvr>
+</p:sld>
+</file>
+
+<file path=ppt/slides/slide2.xml><?xml version="1.0" encoding="utf-8"?>
+<p:sld xmlns:a="http://schemas.openxmlformats.org/drawingml/2006/main" xmlns:r="http://schemas.openxmlformats.org/officeDocument/2006/relationships" xmlns:p="http://schemas.openxmlformats.org/presentationml/2006/main">
+  <p:cSld>
+    <p:spTree>
+      <p:nvGrpSpPr>
+        <p:cNvPr id="1" name=""/>
+        <p:cNvGrpSpPr/>
+        <p:nvPr/>
+      </p:nvGrpSpPr>
+      <p:grpSpPr>
+        <a:xfrm>
+          <a:off x="0" y="0"/>
+          <a:ext cx="0" cy="0"/>
+          <a:chOff x="0" y="0"/>
+          <a:chExt cx="0" cy="0"/>
+        </a:xfrm>
+      </p:grpSpPr>
+      <p:sp>
+        <p:nvSpPr>
+          <p:cNvPr id="2" name="Title 1"/>
+          <p:cNvSpPr>
+            <a:spLocks noGrp="1"/>
+          </p:cNvSpPr>
+          <p:nvPr>
+            <p:ph type="title"/>
+          </p:nvPr>
+        </p:nvSpPr>
+        <p:spPr/>
+        <p:txBody>
+          <a:bodyPr/>
+          <a:lstStyle/>
+          <a:p>
+            <a:r>
+              <a:rPr lang="en-US" dirty="0" smtClean="0"/>
+              <a:t>Contents</a:t>
+            </a:r>
+            <a:endParaRPr lang="en-US" dirty="0"/>
+          </a:p>
+        </p:txBody>
+      </p:sp>
+      <p:sp>
+        <p:nvSpPr>
+          <p:cNvPr id="3" name="Content Placeholder 2"/>
+          <p:cNvSpPr>
+            <a:spLocks noGrp="1"/>
+          </p:cNvSpPr>
+          <p:nvPr>
+            <p:ph idx="1"/>
+          </p:nvPr>
+        </p:nvSpPr>
+        <p:spPr/>
+        <p:txBody>
+          <a:bodyPr/>
+          <a:lstStyle/>
+          <a:p>
+            <a:r>
+              <a:rPr lang="en-US" dirty="0" smtClean="0"/>
+              <a:t>UDDI</a:t>
+            </a:r>
+          </a:p>
+          <a:p>
+            <a:r>
+              <a:rPr lang="en-US" dirty="0" smtClean="0"/>
+              <a:t>WS-Discovery</a:t>
+            </a:r>
+          </a:p>
+          <a:p>
+            <a:r>
+              <a:rPr lang="en-US" dirty="0" smtClean="0"/>
+              <a:t>S-RAMP</a:t>
+            </a:r>
+          </a:p>
+          <a:p>
+            <a:r>
+              <a:rPr lang="en-US" dirty="0" smtClean="0"/>
+              <a:t>WSO2 Governance Registry</a:t>
+            </a:r>
+            <a:endParaRPr lang="en-US" dirty="0"/>
+          </a:p>
+        </p:txBody>
+      </p:sp>
+    </p:spTree>
+    <p:extLst>
+      <p:ext uri="{BB962C8B-B14F-4D97-AF65-F5344CB8AC3E}">
+        <p14:creationId xmlns:p14="http://schemas.microsoft.com/office/powerpoint/2010/main" val="1642949741"/>
+      </p:ext>
+    </p:extLst>
+  </p:cSld>
+  <p:clrMapOvr>
+    <a:masterClrMapping/>
+  </p:clrMapOvr>
+</p:sld>
+</file>
+
+<file path=ppt/slides/slide20.xml><?xml version="1.0" encoding="utf-8"?>
+<p:sld xmlns:a="http://schemas.openxmlformats.org/drawingml/2006/main" xmlns:r="http://schemas.openxmlformats.org/officeDocument/2006/relationships" xmlns:p="http://schemas.openxmlformats.org/presentationml/2006/main">
+  <p:cSld>
+    <p:spTree>
+      <p:nvGrpSpPr>
+        <p:cNvPr id="1" name=""/>
+        <p:cNvGrpSpPr/>
+        <p:nvPr/>
+      </p:nvGrpSpPr>
+      <p:grpSpPr>
+        <a:xfrm>
+          <a:off x="0" y="0"/>
+          <a:ext cx="0" cy="0"/>
+          <a:chOff x="0" y="0"/>
+          <a:chExt cx="0" cy="0"/>
+        </a:xfrm>
+      </p:grpSpPr>
+      <p:sp>
+        <p:nvSpPr>
+          <p:cNvPr id="2" name="Title 1"/>
+          <p:cNvSpPr>
+            <a:spLocks noGrp="1"/>
+          </p:cNvSpPr>
+          <p:nvPr>
+            <p:ph type="title"/>
+          </p:nvPr>
+        </p:nvSpPr>
+        <p:spPr/>
+        <p:txBody>
+          <a:bodyPr/>
+          <a:lstStyle/>
+          <a:p>
+            <a:r>
+              <a:rPr lang="en-US" dirty="0" smtClean="0"/>
+              <a:t>Resources</a:t>
+            </a:r>
+            <a:endParaRPr lang="en-US" dirty="0"/>
+          </a:p>
+        </p:txBody>
+      </p:sp>
+      <p:sp>
+        <p:nvSpPr>
+          <p:cNvPr id="3" name="Content Placeholder 2"/>
+          <p:cNvSpPr>
+            <a:spLocks noGrp="1"/>
+          </p:cNvSpPr>
+          <p:nvPr>
+            <p:ph idx="1"/>
+          </p:nvPr>
+        </p:nvSpPr>
+        <p:spPr/>
+        <p:txBody>
+          <a:bodyPr>
+            <a:noAutofit/>
+          </a:bodyPr>
+          <a:lstStyle/>
+          <a:p>
+            <a:r>
+              <a:rPr lang="en-US" sz="2400" dirty="0"/>
+              <a:t>UDDI</a:t>
+            </a:r>
+          </a:p>
+          <a:p>
+            <a:pPr lvl="1"/>
+            <a:r>
+              <a:rPr lang="en-US" sz="2000" dirty="0" smtClean="0">
+                <a:hlinkClick r:id="rId2"/>
+              </a:rPr>
+              <a:t>http</a:t>
+            </a:r>
+            <a:r>
+              <a:rPr lang="en-US" sz="2000" dirty="0">
+                <a:hlinkClick r:id="rId2"/>
+              </a:rPr>
+              <a:t>://uddi.xml.org</a:t>
+            </a:r>
+            <a:r>
+              <a:rPr lang="en-US" sz="2000" dirty="0" smtClean="0">
+                <a:hlinkClick r:id="rId2"/>
+              </a:rPr>
+              <a:t>/</a:t>
+            </a:r>
+            <a:endParaRPr lang="en-US" sz="2000" dirty="0" smtClean="0"/>
+          </a:p>
+          <a:p>
+            <a:r>
+              <a:rPr lang="en-US" sz="2400" dirty="0" smtClean="0"/>
+              <a:t>S-RAMP</a:t>
+            </a:r>
+            <a:endParaRPr lang="en-US" sz="2400" dirty="0" smtClean="0">
+              <a:hlinkClick r:id="rId3"/>
+            </a:endParaRPr>
+          </a:p>
+          <a:p>
+            <a:pPr lvl="1"/>
+            <a:r>
+              <a:rPr lang="en-US" sz="2000" dirty="0" smtClean="0">
+                <a:hlinkClick r:id="rId3"/>
+              </a:rPr>
+              <a:t>https</a:t>
+            </a:r>
+            <a:r>
+              <a:rPr lang="en-US" sz="2000" dirty="0">
+                <a:hlinkClick r:id="rId3"/>
+              </a:rPr>
+              <a:t>://www.oasis-open.org/committees/tc_home.php?wg_abbrev=s-</a:t>
+            </a:r>
+            <a:r>
+              <a:rPr lang="en-US" sz="2000" dirty="0" smtClean="0">
+                <a:hlinkClick r:id="rId3"/>
+              </a:rPr>
+              <a:t>ramp</a:t>
+            </a:r>
+            <a:endParaRPr lang="en-US" sz="2000" dirty="0" smtClean="0"/>
+          </a:p>
+          <a:p>
+            <a:r>
+              <a:rPr lang="en-US" sz="2400" dirty="0" smtClean="0"/>
+              <a:t>WS-Dynamic Discovery</a:t>
+            </a:r>
+            <a:endParaRPr lang="en-US" sz="2400" dirty="0"/>
+          </a:p>
+          <a:p>
+            <a:pPr lvl="1"/>
+            <a:r>
+              <a:rPr lang="en-US" sz="2000" dirty="0" smtClean="0">
+                <a:hlinkClick r:id="rId4"/>
+              </a:rPr>
+              <a:t>http</a:t>
+            </a:r>
+            <a:r>
+              <a:rPr lang="en-US" sz="2000" dirty="0">
+                <a:hlinkClick r:id="rId4"/>
+              </a:rPr>
+              <a:t>://docs.oasis-open.org/ws-dd/ns/discovery/2009/</a:t>
+            </a:r>
+            <a:r>
+              <a:rPr lang="en-US" sz="2000" dirty="0" smtClean="0">
+                <a:hlinkClick r:id="rId4"/>
+              </a:rPr>
+              <a:t>01</a:t>
+            </a:r>
+            <a:r>
+              <a:rPr lang="en-US" sz="2000" dirty="0" smtClean="0"/>
+              <a:t> </a:t>
+            </a:r>
+          </a:p>
+          <a:p>
+            <a:r>
+              <a:rPr lang="en-US" sz="2400" dirty="0" smtClean="0"/>
+              <a:t>WSO2 Governance Registry</a:t>
+            </a:r>
+          </a:p>
+          <a:p>
+            <a:pPr lvl="1"/>
+            <a:r>
+              <a:rPr lang="en-US" sz="2000" dirty="0">
+                <a:hlinkClick r:id="rId5"/>
+              </a:rPr>
+              <a:t>http://wso2.com/products/governance-registry</a:t>
+            </a:r>
+            <a:r>
+              <a:rPr lang="en-US" sz="2000" dirty="0" smtClean="0">
+                <a:hlinkClick r:id="rId5"/>
+              </a:rPr>
+              <a:t>/</a:t>
+            </a:r>
+            <a:r>
+              <a:rPr lang="en-US" sz="2000" dirty="0" smtClean="0"/>
+              <a:t> </a:t>
+            </a:r>
+            <a:endParaRPr lang="en-US" sz="2000" dirty="0"/>
+          </a:p>
+          <a:p>
+            <a:pPr lvl="1"/>
+            <a:endParaRPr lang="en-US" sz="2000" dirty="0" smtClean="0"/>
+          </a:p>
+        </p:txBody>
+      </p:sp>
+    </p:spTree>
+    <p:extLst>
+      <p:ext uri="{BB962C8B-B14F-4D97-AF65-F5344CB8AC3E}">
+        <p14:creationId xmlns:p14="http://schemas.microsoft.com/office/powerpoint/2010/main" val="3733837947"/>
+      </p:ext>
+    </p:extLst>
+  </p:cSld>
+  <p:clrMapOvr>
+    <a:masterClrMapping/>
+  </p:clrMapOvr>
+</p:sld>
+</file>
+
+<file path=ppt/slides/slide3.xml><?xml version="1.0" encoding="utf-8"?>
+<p:sld xmlns:a="http://schemas.openxmlformats.org/drawingml/2006/main" xmlns:r="http://schemas.openxmlformats.org/officeDocument/2006/relationships" xmlns:p="http://schemas.openxmlformats.org/presentationml/2006/main">
+  <p:cSld>
+    <p:spTree>
+      <p:nvGrpSpPr>
+        <p:cNvPr id="1" name=""/>
+        <p:cNvGrpSpPr/>
+        <p:nvPr/>
+      </p:nvGrpSpPr>
+      <p:grpSpPr>
+        <a:xfrm>
+          <a:off x="0" y="0"/>
+          <a:ext cx="0" cy="0"/>
+          <a:chOff x="0" y="0"/>
+          <a:chExt cx="0" cy="0"/>
+        </a:xfrm>
+      </p:grpSpPr>
+      <p:sp>
+        <p:nvSpPr>
+          <p:cNvPr id="2" name="Title 1"/>
+          <p:cNvSpPr>
+            <a:spLocks noGrp="1"/>
+          </p:cNvSpPr>
+          <p:nvPr>
+            <p:ph type="title"/>
+          </p:nvPr>
+        </p:nvSpPr>
+        <p:spPr/>
+        <p:txBody>
+          <a:bodyPr/>
+          <a:lstStyle/>
+          <a:p>
+            <a:r>
+              <a:rPr lang="en-US" dirty="0" smtClean="0"/>
+              <a:t>UDDI</a:t>
+            </a:r>
+            <a:endParaRPr lang="en-US" dirty="0"/>
+          </a:p>
+        </p:txBody>
+      </p:sp>
+      <p:sp>
+        <p:nvSpPr>
+          <p:cNvPr id="3" name="Content Placeholder 2"/>
+          <p:cNvSpPr>
+            <a:spLocks noGrp="1"/>
+          </p:cNvSpPr>
+          <p:nvPr>
+            <p:ph idx="1"/>
+          </p:nvPr>
+        </p:nvSpPr>
+        <p:spPr/>
+        <p:txBody>
+          <a:bodyPr/>
+          <a:lstStyle/>
+          <a:p>
+            <a:r>
+              <a:rPr lang="en-US" dirty="0" smtClean="0"/>
+              <a:t>An XML-</a:t>
+            </a:r>
+            <a:r>
+              <a:rPr lang="en-US" dirty="0" err="1" smtClean="0"/>
+              <a:t>ization</a:t>
+            </a:r>
+            <a:r>
+              <a:rPr lang="en-US" dirty="0" smtClean="0"/>
+              <a:t> of the Windows Registry</a:t>
+            </a:r>
+          </a:p>
+          <a:p>
+            <a:pPr lvl="1"/>
+            <a:r>
+              <a:rPr lang="en-US" dirty="0" smtClean="0"/>
+              <a:t>Lots of nasty UUIDs</a:t>
+            </a:r>
+          </a:p>
+          <a:p>
+            <a:r>
+              <a:rPr lang="en-US" dirty="0" smtClean="0"/>
+              <a:t>But aimed at Internet Scale</a:t>
+            </a:r>
+          </a:p>
+          <a:p>
+            <a:r>
+              <a:rPr lang="en-US" dirty="0" smtClean="0"/>
+              <a:t>Launched with the concept of major public UDDI servers (like DNS)</a:t>
+            </a:r>
+          </a:p>
+          <a:p>
+            <a:pPr lvl="1"/>
+            <a:r>
+              <a:rPr lang="en-US" dirty="0" smtClean="0"/>
+              <a:t>Universal Business Registry (UBR)</a:t>
+            </a:r>
+          </a:p>
+          <a:p>
+            <a:endParaRPr lang="en-US" dirty="0"/>
+          </a:p>
+        </p:txBody>
+      </p:sp>
+    </p:spTree>
+    <p:extLst>
+      <p:ext uri="{BB962C8B-B14F-4D97-AF65-F5344CB8AC3E}">
+        <p14:creationId xmlns:p14="http://schemas.microsoft.com/office/powerpoint/2010/main" val="587249547"/>
+      </p:ext>
+    </p:extLst>
+  </p:cSld>
+  <p:clrMapOvr>
+    <a:masterClrMapping/>
+  </p:clrMapOvr>
+</p:sld>
+</file>
+
+<file path=ppt/slides/slide4.xml><?xml version="1.0" encoding="utf-8"?>
+<p:sld xmlns:a="http://schemas.openxmlformats.org/drawingml/2006/main" xmlns:r="http://schemas.openxmlformats.org/officeDocument/2006/relationships" xmlns:p="http://schemas.openxmlformats.org/presentationml/2006/main">
+  <p:cSld>
+    <p:spTree>
+      <p:nvGrpSpPr>
+        <p:cNvPr id="1" name=""/>
+        <p:cNvGrpSpPr/>
+        <p:nvPr/>
+      </p:nvGrpSpPr>
+      <p:grpSpPr>
+        <a:xfrm>
+          <a:off x="0" y="0"/>
+          <a:ext cx="0" cy="0"/>
+          <a:chOff x="0" y="0"/>
+          <a:chExt cx="0" cy="0"/>
+        </a:xfrm>
+      </p:grpSpPr>
+      <p:sp>
+        <p:nvSpPr>
+          <p:cNvPr id="2" name="Title 1"/>
+          <p:cNvSpPr>
+            <a:spLocks noGrp="1"/>
+          </p:cNvSpPr>
+          <p:nvPr>
+            <p:ph type="title"/>
+          </p:nvPr>
+        </p:nvSpPr>
+        <p:spPr/>
+        <p:txBody>
+          <a:bodyPr/>
+          <a:lstStyle/>
+          <a:p>
+            <a:r>
+              <a:rPr lang="en-US" dirty="0" smtClean="0"/>
+              <a:t>UDDI</a:t>
+            </a:r>
+            <a:endParaRPr lang="en-US" dirty="0"/>
+          </a:p>
+        </p:txBody>
+      </p:sp>
+      <p:sp>
+        <p:nvSpPr>
+          <p:cNvPr id="3" name="Content Placeholder 2"/>
+          <p:cNvSpPr>
+            <a:spLocks noGrp="1"/>
+          </p:cNvSpPr>
+          <p:nvPr>
+            <p:ph idx="1"/>
+          </p:nvPr>
+        </p:nvSpPr>
+        <p:spPr/>
+        <p:txBody>
+          <a:bodyPr>
+            <a:normAutofit/>
+          </a:bodyPr>
+          <a:lstStyle/>
+          <a:p>
+            <a:r>
+              <a:rPr lang="en-US" dirty="0"/>
+              <a:t>A UDDI business registration consists of three components</a:t>
+            </a:r>
+            <a:r>
+              <a:rPr lang="en-US" dirty="0" smtClean="0"/>
+              <a:t>:</a:t>
+            </a:r>
+            <a:endParaRPr lang="en-US" dirty="0"/>
+          </a:p>
+          <a:p>
+            <a:pPr lvl="1"/>
+            <a:r>
+              <a:rPr lang="en-US" dirty="0"/>
+              <a:t>White Pages — address, contact, and known identifiers;</a:t>
+            </a:r>
+          </a:p>
+          <a:p>
+            <a:pPr lvl="1"/>
+            <a:r>
+              <a:rPr lang="en-US" dirty="0"/>
+              <a:t>Yellow Pages — industrial categorizations based on standard taxonomies;</a:t>
+            </a:r>
+          </a:p>
+          <a:p>
+            <a:pPr lvl="1"/>
+            <a:r>
+              <a:rPr lang="en-US" dirty="0"/>
+              <a:t>Green Pages — technical information about services exposed by the business.</a:t>
+            </a:r>
+          </a:p>
+        </p:txBody>
+      </p:sp>
+    </p:spTree>
+    <p:extLst>
+      <p:ext uri="{BB962C8B-B14F-4D97-AF65-F5344CB8AC3E}">
+        <p14:creationId xmlns:p14="http://schemas.microsoft.com/office/powerpoint/2010/main" val="1703455479"/>
+      </p:ext>
+    </p:extLst>
+  </p:cSld>
+  <p:clrMapOvr>
+    <a:masterClrMapping/>
+  </p:clrMapOvr>
+</p:sld>
+</file>
+
+<file path=ppt/slides/slide5.xml><?xml version="1.0" encoding="utf-8"?>
+<p:sld xmlns:a="http://schemas.openxmlformats.org/drawingml/2006/main" xmlns:r="http://schemas.openxmlformats.org/officeDocument/2006/relationships" xmlns:p="http://schemas.openxmlformats.org/presentationml/2006/main">
+  <p:cSld>
+    <p:spTree>
+      <p:nvGrpSpPr>
+        <p:cNvPr id="1" name=""/>
+        <p:cNvGrpSpPr/>
+        <p:nvPr/>
+      </p:nvGrpSpPr>
+      <p:grpSpPr>
+        <a:xfrm>
+          <a:off x="0" y="0"/>
+          <a:ext cx="0" cy="0"/>
+          <a:chOff x="0" y="0"/>
+          <a:chExt cx="0" cy="0"/>
+        </a:xfrm>
+      </p:grpSpPr>
+      <p:sp>
+        <p:nvSpPr>
+          <p:cNvPr id="2" name="Title 1"/>
+          <p:cNvSpPr>
+            <a:spLocks noGrp="1"/>
+          </p:cNvSpPr>
+          <p:nvPr>
+            <p:ph type="title"/>
+          </p:nvPr>
+        </p:nvSpPr>
+        <p:spPr/>
+        <p:txBody>
+          <a:bodyPr/>
+          <a:lstStyle/>
+          <a:p>
+            <a:r>
+              <a:rPr lang="en-US" dirty="0" smtClean="0"/>
+              <a:t>History</a:t>
+            </a:r>
+            <a:endParaRPr lang="en-US" dirty="0"/>
+          </a:p>
+        </p:txBody>
+      </p:sp>
+      <p:pic>
+        <p:nvPicPr>
+          <p:cNvPr id="4" name="Picture 3"/>
+          <p:cNvPicPr>
+            <a:picLocks noChangeAspect="1"/>
+          </p:cNvPicPr>
+          <p:nvPr/>
+        </p:nvPicPr>
+        <p:blipFill>
+          <a:blip r:embed="rId2"/>
+          <a:stretch>
+            <a:fillRect/>
+          </a:stretch>
+        </p:blipFill>
+        <p:spPr>
+          <a:xfrm>
+            <a:off x="0" y="1257300"/>
+            <a:ext cx="9144000" cy="4335434"/>
+          </a:xfrm>
+          <a:prstGeom prst="rect">
+            <a:avLst/>
+          </a:prstGeom>
+        </p:spPr>
+      </p:pic>
+    </p:spTree>
+    <p:extLst>
+      <p:ext uri="{BB962C8B-B14F-4D97-AF65-F5344CB8AC3E}">
+        <p14:creationId xmlns:p14="http://schemas.microsoft.com/office/powerpoint/2010/main" val="1913391650"/>
+      </p:ext>
+    </p:extLst>
+  </p:cSld>
+  <p:clrMapOvr>
+    <a:masterClrMapping/>
+  </p:clrMapOvr>
+</p:sld>
+</file>
+
+<file path=ppt/slides/slide6.xml><?xml version="1.0" encoding="utf-8"?>
+<p:sld xmlns:a="http://schemas.openxmlformats.org/drawingml/2006/main" xmlns:r="http://schemas.openxmlformats.org/officeDocument/2006/relationships" xmlns:p="http://schemas.openxmlformats.org/presentationml/2006/main">
+  <p:cSld>
+    <p:spTree>
+      <p:nvGrpSpPr>
+        <p:cNvPr id="1" name=""/>
+        <p:cNvGrpSpPr/>
+        <p:nvPr/>
+      </p:nvGrpSpPr>
+      <p:grpSpPr>
+        <a:xfrm>
+          <a:off x="0" y="0"/>
+          <a:ext cx="0" cy="0"/>
+          <a:chOff x="0" y="0"/>
+          <a:chExt cx="0" cy="0"/>
+        </a:xfrm>
+      </p:grpSpPr>
+      <p:sp>
+        <p:nvSpPr>
+          <p:cNvPr id="2" name="Title 1"/>
+          <p:cNvSpPr>
+            <a:spLocks noGrp="1"/>
+          </p:cNvSpPr>
+          <p:nvPr>
+            <p:ph type="title"/>
+          </p:nvPr>
+        </p:nvSpPr>
+        <p:spPr/>
+        <p:txBody>
+          <a:bodyPr/>
+          <a:lstStyle/>
+          <a:p>
+            <a:r>
+              <a:rPr lang="en-US" dirty="0" smtClean="0"/>
+              <a:t>Key Data Types</a:t>
+            </a:r>
+            <a:endParaRPr lang="en-US" dirty="0"/>
+          </a:p>
+        </p:txBody>
+      </p:sp>
+      <p:pic>
+        <p:nvPicPr>
+          <p:cNvPr id="4" name="Picture 3"/>
+          <p:cNvPicPr>
+            <a:picLocks noChangeAspect="1"/>
+          </p:cNvPicPr>
+          <p:nvPr/>
+        </p:nvPicPr>
+        <p:blipFill>
+          <a:blip r:embed="rId2"/>
+          <a:stretch>
+            <a:fillRect/>
+          </a:stretch>
+        </p:blipFill>
+        <p:spPr>
+          <a:xfrm>
+            <a:off x="0" y="1206500"/>
+            <a:ext cx="9144000" cy="4419764"/>
+          </a:xfrm>
+          <a:prstGeom prst="rect">
+            <a:avLst/>
+          </a:prstGeom>
+        </p:spPr>
+      </p:pic>
+    </p:spTree>
+    <p:extLst>
+      <p:ext uri="{BB962C8B-B14F-4D97-AF65-F5344CB8AC3E}">
+        <p14:creationId xmlns:p14="http://schemas.microsoft.com/office/powerpoint/2010/main" val="1400137819"/>
+      </p:ext>
+    </p:extLst>
+  </p:cSld>
+  <p:clrMapOvr>
+    <a:masterClrMapping/>
+  </p:clrMapOvr>
+</p:sld>
+</file>
+
+<file path=ppt/slides/slide7.xml><?xml version="1.0" encoding="utf-8"?>
+<p:sld xmlns:a="http://schemas.openxmlformats.org/drawingml/2006/main" xmlns:r="http://schemas.openxmlformats.org/officeDocument/2006/relationships" xmlns:p="http://schemas.openxmlformats.org/presentationml/2006/main">
+  <p:cSld>
+    <p:spTree>
+      <p:nvGrpSpPr>
+        <p:cNvPr id="1" name=""/>
+        <p:cNvGrpSpPr/>
+        <p:nvPr/>
+      </p:nvGrpSpPr>
+      <p:grpSpPr>
+        <a:xfrm>
+          <a:off x="0" y="0"/>
+          <a:ext cx="0" cy="0"/>
+          <a:chOff x="0" y="0"/>
+          <a:chExt cx="0" cy="0"/>
+        </a:xfrm>
+      </p:grpSpPr>
+      <p:sp>
+        <p:nvSpPr>
+          <p:cNvPr id="2" name="Title 1"/>
+          <p:cNvSpPr>
+            <a:spLocks noGrp="1"/>
+          </p:cNvSpPr>
+          <p:nvPr>
+            <p:ph type="title"/>
+          </p:nvPr>
+        </p:nvSpPr>
+        <p:spPr/>
+        <p:txBody>
+          <a:bodyPr/>
+          <a:lstStyle/>
+          <a:p>
+            <a:r>
+              <a:rPr lang="en-US" dirty="0" smtClean="0"/>
+              <a:t>UDDI problems</a:t>
+            </a:r>
+            <a:endParaRPr lang="en-US" dirty="0"/>
+          </a:p>
+        </p:txBody>
+      </p:sp>
+      <p:sp>
+        <p:nvSpPr>
+          <p:cNvPr id="3" name="Content Placeholder 2"/>
+          <p:cNvSpPr>
+            <a:spLocks noGrp="1"/>
+          </p:cNvSpPr>
+          <p:nvPr>
+            <p:ph idx="1"/>
+          </p:nvPr>
+        </p:nvSpPr>
+        <p:spPr/>
+        <p:txBody>
+          <a:bodyPr/>
+          <a:lstStyle/>
+          <a:p>
+            <a:r>
+              <a:rPr lang="en-US" dirty="0" err="1" smtClean="0"/>
+              <a:t>tModel</a:t>
+            </a:r>
+            <a:r>
+              <a:rPr lang="en-US" dirty="0" smtClean="0"/>
+              <a:t> concept too complex and unwieldy</a:t>
+            </a:r>
+          </a:p>
+          <a:p>
+            <a:pPr lvl="1"/>
+            <a:r>
+              <a:rPr lang="en-US" dirty="0" smtClean="0"/>
+              <a:t>Lack of any standard </a:t>
+            </a:r>
+            <a:r>
+              <a:rPr lang="en-US" dirty="0" err="1" smtClean="0"/>
+              <a:t>tModels</a:t>
+            </a:r>
+            <a:endParaRPr lang="en-US" dirty="0" smtClean="0"/>
+          </a:p>
+          <a:p>
+            <a:r>
+              <a:rPr lang="en-US" dirty="0" smtClean="0"/>
+              <a:t>No </a:t>
+            </a:r>
+            <a:r>
+              <a:rPr lang="en-US" i="1" dirty="0" smtClean="0"/>
+              <a:t>simple</a:t>
+            </a:r>
+            <a:r>
+              <a:rPr lang="en-US" dirty="0" smtClean="0"/>
+              <a:t> link into WSDL</a:t>
+            </a:r>
+          </a:p>
+          <a:p>
+            <a:r>
+              <a:rPr lang="en-US" dirty="0" smtClean="0"/>
+              <a:t>Doesn’t address the major issues of Service Registry and Governance</a:t>
+            </a:r>
+          </a:p>
+          <a:p>
+            <a:pPr lvl="1"/>
+            <a:r>
+              <a:rPr lang="en-US" dirty="0" smtClean="0"/>
+              <a:t>Lifecycle management</a:t>
+            </a:r>
+          </a:p>
+          <a:p>
+            <a:pPr lvl="1"/>
+            <a:r>
+              <a:rPr lang="en-US" dirty="0" smtClean="0"/>
+              <a:t>Notification</a:t>
+            </a:r>
+          </a:p>
+          <a:p>
+            <a:pPr lvl="1"/>
+            <a:r>
+              <a:rPr lang="en-US" dirty="0" smtClean="0"/>
+              <a:t>Dependency Management</a:t>
+            </a:r>
+          </a:p>
+        </p:txBody>
+      </p:sp>
+    </p:spTree>
+    <p:extLst>
+      <p:ext uri="{BB962C8B-B14F-4D97-AF65-F5344CB8AC3E}">
+        <p14:creationId xmlns:p14="http://schemas.microsoft.com/office/powerpoint/2010/main" val="372528129"/>
+      </p:ext>
+    </p:extLst>
+  </p:cSld>
+  <p:clrMapOvr>
+    <a:masterClrMapping/>
+  </p:clrMapOvr>
+</p:sld>
+</file>
+
+<file path=ppt/slides/slide8.xml><?xml version="1.0" encoding="utf-8"?>
+<p:sld xmlns:a="http://schemas.openxmlformats.org/drawingml/2006/main" xmlns:r="http://schemas.openxmlformats.org/officeDocument/2006/relationships" xmlns:p="http://schemas.openxmlformats.org/presentationml/2006/main">
+  <p:cSld>
+    <p:spTree>
+      <p:nvGrpSpPr>
+        <p:cNvPr id="1" name=""/>
+        <p:cNvGrpSpPr/>
+        <p:nvPr/>
+      </p:nvGrpSpPr>
+      <p:grpSpPr>
+        <a:xfrm>
+          <a:off x="0" y="0"/>
+          <a:ext cx="0" cy="0"/>
+          <a:chOff x="0" y="0"/>
+          <a:chExt cx="0" cy="0"/>
+        </a:xfrm>
+      </p:grpSpPr>
+      <p:sp>
+        <p:nvSpPr>
+          <p:cNvPr id="2" name="Title 1"/>
+          <p:cNvSpPr>
+            <a:spLocks noGrp="1"/>
+          </p:cNvSpPr>
+          <p:nvPr>
+            <p:ph type="title"/>
+          </p:nvPr>
+        </p:nvSpPr>
+        <p:spPr/>
+        <p:txBody>
+          <a:bodyPr/>
+          <a:lstStyle/>
+          <a:p>
+            <a:r>
+              <a:rPr lang="en-US" dirty="0" smtClean="0"/>
+              <a:t>WS-Discovery</a:t>
+            </a:r>
+            <a:endParaRPr lang="en-US" dirty="0"/>
+          </a:p>
+        </p:txBody>
+      </p:sp>
+      <p:sp>
+        <p:nvSpPr>
+          <p:cNvPr id="3" name="Content Placeholder 2"/>
+          <p:cNvSpPr>
+            <a:spLocks noGrp="1"/>
+          </p:cNvSpPr>
+          <p:nvPr>
+            <p:ph idx="1"/>
+          </p:nvPr>
+        </p:nvSpPr>
+        <p:spPr/>
+        <p:txBody>
+          <a:bodyPr>
+            <a:normAutofit/>
+          </a:bodyPr>
+          <a:lstStyle/>
+          <a:p>
+            <a:r>
+              <a:rPr lang="en-US" dirty="0" smtClean="0"/>
+              <a:t>A simple(r) protocol just aimed at finding “live” endpoints</a:t>
+            </a:r>
+          </a:p>
+          <a:p>
+            <a:r>
+              <a:rPr lang="en-US" dirty="0" smtClean="0"/>
+              <a:t>For example used by HP printers for network printing</a:t>
+            </a:r>
+          </a:p>
+          <a:p>
+            <a:pPr lvl="1"/>
+            <a:r>
+              <a:rPr lang="en-US" dirty="0" smtClean="0"/>
+              <a:t>Though my own experience is that mine is a bit hit and miss!</a:t>
+            </a:r>
+          </a:p>
+          <a:p>
+            <a:r>
+              <a:rPr lang="en-US" dirty="0" smtClean="0"/>
+              <a:t>Supports UDP and TCP</a:t>
+            </a:r>
+          </a:p>
+          <a:p>
+            <a:pPr lvl="1"/>
+            <a:r>
+              <a:rPr lang="en-US" dirty="0" smtClean="0"/>
+              <a:t>Managed or Ad-Hoc mode</a:t>
+            </a:r>
+            <a:endParaRPr lang="en-US" dirty="0"/>
+          </a:p>
+        </p:txBody>
+      </p:sp>
+    </p:spTree>
+    <p:extLst>
+      <p:ext uri="{BB962C8B-B14F-4D97-AF65-F5344CB8AC3E}">
+        <p14:creationId xmlns:p14="http://schemas.microsoft.com/office/powerpoint/2010/main" val="1792605972"/>
+      </p:ext>
+    </p:extLst>
+  </p:cSld>
+  <p:clrMapOvr>
+    <a:masterClrMapping/>
+  </p:clrMapOvr>
+</p:sld>
+</file>
+
+<file path=ppt/slides/slide9.xml><?xml version="1.0" encoding="utf-8"?>
+<p:sld xmlns:a="http://schemas.openxmlformats.org/drawingml/2006/main" xmlns:r="http://schemas.openxmlformats.org/officeDocument/2006/relationships" xmlns:p="http://schemas.openxmlformats.org/presentationml/2006/main">
+  <p:cSld>
+    <p:spTree>
+      <p:nvGrpSpPr>
+        <p:cNvPr id="1" name=""/>
+        <p:cNvGrpSpPr/>
+        <p:nvPr/>
+      </p:nvGrpSpPr>
+      <p:grpSpPr>
+        <a:xfrm>
+          <a:off x="0" y="0"/>
+          <a:ext cx="0" cy="0"/>
+          <a:chOff x="0" y="0"/>
+          <a:chExt cx="0" cy="0"/>
+        </a:xfrm>
+      </p:grpSpPr>
+      <p:sp>
+        <p:nvSpPr>
+          <p:cNvPr id="2" name="Title 1"/>
+          <p:cNvSpPr>
+            <a:spLocks noGrp="1"/>
+          </p:cNvSpPr>
+          <p:nvPr>
+            <p:ph type="title"/>
+          </p:nvPr>
+        </p:nvSpPr>
+        <p:spPr/>
+        <p:txBody>
+          <a:bodyPr/>
+          <a:lstStyle/>
+          <a:p>
+            <a:r>
+              <a:rPr lang="en-US" dirty="0" smtClean="0"/>
+              <a:t>WS-Discovery “ad-hoc”</a:t>
+            </a:r>
+            <a:endParaRPr lang="en-US" dirty="0"/>
+          </a:p>
+        </p:txBody>
+      </p:sp>
+      <p:pic>
+        <p:nvPicPr>
+          <p:cNvPr id="4" name="Picture 3"/>
+          <p:cNvPicPr>
+            <a:picLocks noChangeAspect="1"/>
+          </p:cNvPicPr>
+          <p:nvPr/>
+        </p:nvPicPr>
+        <p:blipFill>
+          <a:blip r:embed="rId2"/>
+          <a:stretch>
+            <a:fillRect/>
+          </a:stretch>
+        </p:blipFill>
+        <p:spPr>
+          <a:xfrm>
+            <a:off x="508000" y="1295400"/>
+            <a:ext cx="8128000" cy="4749800"/>
+          </a:xfrm>
+          <a:prstGeom prst="rect">
+            <a:avLst/>
+          </a:prstGeom>
+        </p:spPr>
+      </p:pic>
+    </p:spTree>
+    <p:extLst>
+      <p:ext uri="{BB962C8B-B14F-4D97-AF65-F5344CB8AC3E}">
+        <p14:creationId xmlns:p14="http://schemas.microsoft.com/office/powerpoint/2010/main" val="461304130"/>
+      </p:ext>
+    </p:extLst>
+  </p:cSld>
+  <p:clrMapOvr>
+    <a:masterClrMapping/>
+  </p:clrMapOvr>
+</p:sld>
 </file>
 
 <file path=ppt/theme/theme1.xml><?xml version="1.0" encoding="utf-8"?>
